--- a/plan/roadmap/Data Service Server Roadmap.pptx
+++ b/plan/roadmap/Data Service Server Roadmap.pptx
@@ -198,7 +198,7 @@
           <a:p>
             <a:fld id="{D13A4296-386C-41C0-ABCF-331121CC6262}" type="datetimeFigureOut">
               <a:rPr lang="zh-TW" altLang="en-US" smtClean="0"/>
-              <a:t>2019/7/12</a:t>
+              <a:t>2019/7/16</a:t>
             </a:fld>
             <a:endParaRPr lang="zh-TW" altLang="en-US"/>
           </a:p>
@@ -696,7 +696,7 @@
           <a:p>
             <a:fld id="{8C38BD06-6778-495E-8AAA-C2B00C761C6C}" type="datetimeFigureOut">
               <a:rPr lang="it-IT" smtClean="0"/>
-              <a:t>12/07/2019</a:t>
+              <a:t>16/07/2019</a:t>
             </a:fld>
             <a:endParaRPr lang="it-IT"/>
           </a:p>
@@ -894,7 +894,7 @@
           <a:p>
             <a:fld id="{8C38BD06-6778-495E-8AAA-C2B00C761C6C}" type="datetimeFigureOut">
               <a:rPr lang="it-IT" smtClean="0"/>
-              <a:t>12/07/2019</a:t>
+              <a:t>16/07/2019</a:t>
             </a:fld>
             <a:endParaRPr lang="it-IT"/>
           </a:p>
@@ -1102,7 +1102,7 @@
           <a:p>
             <a:fld id="{8C38BD06-6778-495E-8AAA-C2B00C761C6C}" type="datetimeFigureOut">
               <a:rPr lang="it-IT" smtClean="0"/>
-              <a:t>12/07/2019</a:t>
+              <a:t>16/07/2019</a:t>
             </a:fld>
             <a:endParaRPr lang="it-IT"/>
           </a:p>
@@ -1300,7 +1300,7 @@
           <a:p>
             <a:fld id="{8C38BD06-6778-495E-8AAA-C2B00C761C6C}" type="datetimeFigureOut">
               <a:rPr lang="it-IT" smtClean="0"/>
-              <a:t>12/07/2019</a:t>
+              <a:t>16/07/2019</a:t>
             </a:fld>
             <a:endParaRPr lang="it-IT"/>
           </a:p>
@@ -1575,7 +1575,7 @@
           <a:p>
             <a:fld id="{8C38BD06-6778-495E-8AAA-C2B00C761C6C}" type="datetimeFigureOut">
               <a:rPr lang="it-IT" smtClean="0"/>
-              <a:t>12/07/2019</a:t>
+              <a:t>16/07/2019</a:t>
             </a:fld>
             <a:endParaRPr lang="it-IT"/>
           </a:p>
@@ -1840,7 +1840,7 @@
           <a:p>
             <a:fld id="{8C38BD06-6778-495E-8AAA-C2B00C761C6C}" type="datetimeFigureOut">
               <a:rPr lang="it-IT" smtClean="0"/>
-              <a:t>12/07/2019</a:t>
+              <a:t>16/07/2019</a:t>
             </a:fld>
             <a:endParaRPr lang="it-IT"/>
           </a:p>
@@ -2252,7 +2252,7 @@
           <a:p>
             <a:fld id="{8C38BD06-6778-495E-8AAA-C2B00C761C6C}" type="datetimeFigureOut">
               <a:rPr lang="it-IT" smtClean="0"/>
-              <a:t>12/07/2019</a:t>
+              <a:t>16/07/2019</a:t>
             </a:fld>
             <a:endParaRPr lang="it-IT"/>
           </a:p>
@@ -2393,7 +2393,7 @@
           <a:p>
             <a:fld id="{8C38BD06-6778-495E-8AAA-C2B00C761C6C}" type="datetimeFigureOut">
               <a:rPr lang="it-IT" smtClean="0"/>
-              <a:t>12/07/2019</a:t>
+              <a:t>16/07/2019</a:t>
             </a:fld>
             <a:endParaRPr lang="it-IT"/>
           </a:p>
@@ -2506,7 +2506,7 @@
           <a:p>
             <a:fld id="{8C38BD06-6778-495E-8AAA-C2B00C761C6C}" type="datetimeFigureOut">
               <a:rPr lang="it-IT" smtClean="0"/>
-              <a:t>12/07/2019</a:t>
+              <a:t>16/07/2019</a:t>
             </a:fld>
             <a:endParaRPr lang="it-IT"/>
           </a:p>
@@ -2817,7 +2817,7 @@
           <a:p>
             <a:fld id="{8C38BD06-6778-495E-8AAA-C2B00C761C6C}" type="datetimeFigureOut">
               <a:rPr lang="it-IT" smtClean="0"/>
-              <a:t>12/07/2019</a:t>
+              <a:t>16/07/2019</a:t>
             </a:fld>
             <a:endParaRPr lang="it-IT"/>
           </a:p>
@@ -3105,7 +3105,7 @@
           <a:p>
             <a:fld id="{8C38BD06-6778-495E-8AAA-C2B00C761C6C}" type="datetimeFigureOut">
               <a:rPr lang="it-IT" smtClean="0"/>
-              <a:t>12/07/2019</a:t>
+              <a:t>16/07/2019</a:t>
             </a:fld>
             <a:endParaRPr lang="it-IT"/>
           </a:p>
@@ -3346,7 +3346,7 @@
           <a:p>
             <a:fld id="{8C38BD06-6778-495E-8AAA-C2B00C761C6C}" type="datetimeFigureOut">
               <a:rPr lang="it-IT" smtClean="0"/>
-              <a:t>12/07/2019</a:t>
+              <a:t>16/07/2019</a:t>
             </a:fld>
             <a:endParaRPr lang="it-IT"/>
           </a:p>
@@ -4123,7 +4123,7 @@
               <a:defRPr/>
             </a:pPr>
             <a:r>
-              <a:rPr kumimoji="0" lang="en-US" altLang="zh-CN" sz="2400" b="1" i="0" u="none" strike="noStrike" kern="0" cap="none" spc="0" normalizeH="0" baseline="0" noProof="0" dirty="0">
+              <a:rPr kumimoji="0" lang="en-US" altLang="zh-CN" sz="2400" b="1" i="0" u="none" strike="noStrike" kern="0" cap="none" spc="0" normalizeH="0" baseline="0" noProof="0" dirty="0" smtClean="0">
                 <a:ln w="18415" cmpd="sng">
                   <a:noFill/>
                   <a:prstDash val="solid"/>
@@ -4137,7 +4137,24 @@
                 <a:latin typeface="Agency FB" pitchFamily="34" charset="0"/>
                 <a:ea typeface="微软雅黑" pitchFamily="34" charset="-122"/>
               </a:rPr>
-              <a:t>SPRING I</a:t>
+              <a:t>SPRINT </a:t>
+            </a:r>
+            <a:r>
+              <a:rPr kumimoji="0" lang="en-US" altLang="zh-CN" sz="2400" b="1" i="0" u="none" strike="noStrike" kern="0" cap="none" spc="0" normalizeH="0" baseline="0" noProof="0" dirty="0">
+                <a:ln w="18415" cmpd="sng">
+                  <a:noFill/>
+                  <a:prstDash val="solid"/>
+                </a:ln>
+                <a:solidFill>
+                  <a:sysClr val="window" lastClr="FFFFFF"/>
+                </a:solidFill>
+                <a:effectLst/>
+                <a:uLnTx/>
+                <a:uFillTx/>
+                <a:latin typeface="Agency FB" pitchFamily="34" charset="0"/>
+                <a:ea typeface="微软雅黑" pitchFamily="34" charset="-122"/>
+              </a:rPr>
+              <a:t>I</a:t>
             </a:r>
             <a:endParaRPr kumimoji="0" lang="zh-CN" altLang="en-US" sz="2400" b="1" i="0" u="none" strike="noStrike" kern="0" cap="none" spc="0" normalizeH="0" baseline="0" noProof="0" dirty="0">
               <a:ln w="18415" cmpd="sng">
@@ -4171,7 +4188,7 @@
         <p:spPr>
           <a:xfrm>
             <a:off x="1163094" y="5166039"/>
-            <a:ext cx="2618921" cy="907941"/>
+            <a:ext cx="2618921" cy="823302"/>
           </a:xfrm>
           <a:prstGeom prst="rect">
             <a:avLst/>
@@ -4202,7 +4219,7 @@
               <a:defRPr/>
             </a:pPr>
             <a:r>
-              <a:rPr kumimoji="0" lang="en-US" altLang="zh-CN" sz="1100" b="0" i="0" u="none" strike="noStrike" kern="0" cap="none" spc="0" normalizeH="0" baseline="0" noProof="0" dirty="0">
+              <a:rPr kumimoji="0" lang="en-US" altLang="zh-CN" sz="950" b="0" i="0" u="none" strike="noStrike" kern="0" cap="none" spc="0" normalizeH="0" baseline="0" noProof="0" dirty="0">
                 <a:ln>
                   <a:noFill/>
                 </a:ln>
@@ -4216,102 +4233,10 @@
                 <a:ea typeface="微软雅黑" pitchFamily="34" charset="-122"/>
                 <a:cs typeface="Arial" pitchFamily="34" charset="0"/>
               </a:rPr>
-              <a:t>Single Node (Master), HDD 1T/5T</a:t>
-            </a:r>
-          </a:p>
-          <a:p>
-            <a:pPr marL="285750" marR="0" lvl="0" indent="-285750" defTabSz="914400" eaLnBrk="1" fontAlgn="auto" latinLnBrk="0" hangingPunct="1">
-              <a:lnSpc>
-                <a:spcPct val="100000"/>
-              </a:lnSpc>
-              <a:spcBef>
-                <a:spcPts val="0"/>
-              </a:spcBef>
-              <a:spcAft>
-                <a:spcPts val="0"/>
-              </a:spcAft>
-              <a:buClrTx/>
-              <a:buSzTx/>
-              <a:buFont typeface="Arial" panose="020B0604020202020204" pitchFamily="34" charset="0"/>
-              <a:buChar char="•"/>
-              <a:tabLst/>
-              <a:defRPr/>
-            </a:pPr>
-            <a:r>
-              <a:rPr lang="en-US" altLang="zh-CN" sz="1100" kern="0" dirty="0">
-                <a:solidFill>
-                  <a:srgbClr val="4C3A00"/>
-                </a:solidFill>
-                <a:latin typeface="Arial" pitchFamily="34" charset="0"/>
-                <a:ea typeface="微软雅黑" pitchFamily="34" charset="-122"/>
-                <a:cs typeface="Arial" pitchFamily="34" charset="0"/>
-              </a:rPr>
-              <a:t>DeviceOn/EdgeSense Built-in </a:t>
-            </a:r>
-          </a:p>
-          <a:p>
-            <a:pPr marL="628650" lvl="1" indent="-171450" fontAlgn="auto">
-              <a:spcBef>
-                <a:spcPts val="0"/>
-              </a:spcBef>
-              <a:spcAft>
-                <a:spcPts val="0"/>
-              </a:spcAft>
-              <a:buFont typeface="Arial" panose="020B0604020202020204" pitchFamily="34" charset="0"/>
-              <a:buChar char="•"/>
-              <a:defRPr/>
-            </a:pPr>
-            <a:r>
-              <a:rPr lang="en-US" altLang="zh-CN" sz="900" kern="0" dirty="0">
-                <a:solidFill>
-                  <a:srgbClr val="7030A0"/>
-                </a:solidFill>
-                <a:latin typeface="Arial" pitchFamily="34" charset="0"/>
-                <a:ea typeface="微软雅黑" pitchFamily="34" charset="-122"/>
-                <a:cs typeface="Arial" pitchFamily="34" charset="0"/>
-              </a:rPr>
-              <a:t>(Software Component, v-1.0.0</a:t>
-            </a:r>
-            <a:r>
-              <a:rPr lang="en-US" altLang="zh-CN" sz="900" kern="0" dirty="0" smtClean="0">
-                <a:solidFill>
-                  <a:srgbClr val="7030A0"/>
-                </a:solidFill>
-                <a:latin typeface="Arial" pitchFamily="34" charset="0"/>
-                <a:ea typeface="微软雅黑" pitchFamily="34" charset="-122"/>
-                <a:cs typeface="Arial" pitchFamily="34" charset="0"/>
-              </a:rPr>
-              <a:t>)</a:t>
-            </a:r>
-            <a:endParaRPr lang="en-US" altLang="zh-CN" sz="1100" kern="0" dirty="0">
-              <a:solidFill>
-                <a:srgbClr val="7030A0"/>
-              </a:solidFill>
-              <a:latin typeface="Arial" pitchFamily="34" charset="0"/>
-              <a:ea typeface="微软雅黑" pitchFamily="34" charset="-122"/>
-              <a:cs typeface="Arial" pitchFamily="34" charset="0"/>
-            </a:endParaRPr>
-          </a:p>
-          <a:p>
-            <a:pPr marL="285750" marR="0" lvl="0" indent="-285750" defTabSz="914400" eaLnBrk="1" fontAlgn="auto" latinLnBrk="0" hangingPunct="1">
-              <a:lnSpc>
-                <a:spcPct val="100000"/>
-              </a:lnSpc>
-              <a:spcBef>
-                <a:spcPts val="0"/>
-              </a:spcBef>
-              <a:spcAft>
-                <a:spcPts val="0"/>
-              </a:spcAft>
-              <a:buClrTx/>
-              <a:buSzTx/>
-              <a:buFont typeface="Arial" panose="020B0604020202020204" pitchFamily="34" charset="0"/>
-              <a:buChar char="•"/>
-              <a:tabLst/>
-              <a:defRPr/>
-            </a:pPr>
-            <a:r>
-              <a:rPr kumimoji="0" lang="en-US" altLang="zh-TW" sz="1100" b="0" i="0" u="none" strike="noStrike" kern="0" cap="none" spc="0" normalizeH="0" baseline="0" noProof="0" dirty="0">
+              <a:t>Single </a:t>
+            </a:r>
+            <a:r>
+              <a:rPr kumimoji="0" lang="en-US" altLang="zh-CN" sz="950" b="0" i="0" u="none" strike="noStrike" kern="0" cap="none" spc="0" normalizeH="0" baseline="0" noProof="0" dirty="0" smtClean="0">
                 <a:ln>
                   <a:noFill/>
                 </a:ln>
@@ -4325,10 +4250,10 @@
                 <a:ea typeface="微软雅黑" pitchFamily="34" charset="-122"/>
                 <a:cs typeface="Arial" pitchFamily="34" charset="0"/>
               </a:rPr>
-              <a:t>User Manual, Training </a:t>
-            </a:r>
-            <a:r>
-              <a:rPr kumimoji="0" lang="en-US" altLang="zh-TW" sz="1100" b="0" i="0" u="none" strike="noStrike" kern="0" cap="none" spc="0" normalizeH="0" baseline="0" noProof="0" dirty="0" smtClean="0">
+              <a:t>Node (Master), </a:t>
+            </a:r>
+            <a:r>
+              <a:rPr kumimoji="0" lang="en-US" altLang="zh-CN" sz="950" b="0" i="0" u="none" strike="noStrike" kern="0" cap="none" spc="0" normalizeH="0" baseline="0" noProof="0" dirty="0">
                 <a:ln>
                   <a:noFill/>
                 </a:ln>
@@ -4342,39 +4267,55 @@
                 <a:ea typeface="微软雅黑" pitchFamily="34" charset="-122"/>
                 <a:cs typeface="Arial" pitchFamily="34" charset="0"/>
               </a:rPr>
-              <a:t>Material</a:t>
-            </a:r>
-          </a:p>
-          <a:p>
-            <a:pPr marL="285750" marR="0" lvl="0" indent="-285750" defTabSz="914400" eaLnBrk="1" fontAlgn="auto" latinLnBrk="0" hangingPunct="1">
-              <a:lnSpc>
-                <a:spcPct val="100000"/>
-              </a:lnSpc>
-              <a:spcBef>
-                <a:spcPts val="0"/>
-              </a:spcBef>
-              <a:spcAft>
-                <a:spcPts val="0"/>
-              </a:spcAft>
-              <a:buClrTx/>
-              <a:buSzTx/>
-              <a:buFont typeface="Arial" panose="020B0604020202020204" pitchFamily="34" charset="0"/>
-              <a:buChar char="•"/>
-              <a:tabLst/>
-              <a:defRPr/>
-            </a:pPr>
-            <a:r>
-              <a:rPr lang="en-US" altLang="zh-CN" sz="1100" kern="0" dirty="0" smtClean="0">
+              <a:t>HDD </a:t>
+            </a:r>
+            <a:r>
+              <a:rPr kumimoji="0" lang="en-US" altLang="zh-CN" sz="950" b="0" i="0" u="none" strike="noStrike" kern="0" cap="none" spc="0" normalizeH="0" baseline="0" noProof="0" dirty="0" smtClean="0">
+                <a:ln>
+                  <a:noFill/>
+                </a:ln>
                 <a:solidFill>
                   <a:srgbClr val="4C3A00"/>
                 </a:solidFill>
+                <a:effectLst/>
+                <a:uLnTx/>
+                <a:uFillTx/>
                 <a:latin typeface="Arial" pitchFamily="34" charset="0"/>
                 <a:ea typeface="微软雅黑" pitchFamily="34" charset="-122"/>
                 <a:cs typeface="Arial" pitchFamily="34" charset="0"/>
               </a:rPr>
-              <a:t>Private Chart Repo</a:t>
-            </a:r>
-            <a:endParaRPr kumimoji="0" lang="en-US" altLang="zh-CN" sz="1100" b="0" i="0" u="none" strike="noStrike" kern="0" cap="none" spc="0" normalizeH="0" baseline="0" noProof="0" dirty="0">
+              <a:t>1T/5T</a:t>
+            </a:r>
+          </a:p>
+          <a:p>
+            <a:pPr marL="285750" indent="-285750">
+              <a:buFont typeface="Arial" panose="020B0604020202020204" pitchFamily="34" charset="0"/>
+              <a:buChar char="•"/>
+              <a:defRPr/>
+            </a:pPr>
+            <a:r>
+              <a:rPr lang="en-US" altLang="zh-CN" sz="950" kern="0" dirty="0">
+                <a:solidFill>
+                  <a:srgbClr val="4C3A00"/>
+                </a:solidFill>
+                <a:latin typeface="Arial" pitchFamily="34" charset="0"/>
+                <a:ea typeface="微软雅黑" pitchFamily="34" charset="-122"/>
+                <a:cs typeface="Arial" pitchFamily="34" charset="0"/>
+              </a:rPr>
+              <a:t>Software Component, </a:t>
+            </a:r>
+            <a:r>
+              <a:rPr lang="en-US" altLang="zh-CN" sz="950" kern="0" dirty="0" smtClean="0">
+                <a:solidFill>
+                  <a:srgbClr val="4C3A00"/>
+                </a:solidFill>
+                <a:latin typeface="Arial" pitchFamily="34" charset="0"/>
+                <a:ea typeface="微软雅黑" pitchFamily="34" charset="-122"/>
+                <a:cs typeface="Arial" pitchFamily="34" charset="0"/>
+              </a:rPr>
+              <a:t>v-1.0.x</a:t>
+            </a:r>
+            <a:endParaRPr kumimoji="0" lang="en-US" altLang="zh-CN" sz="950" b="0" i="0" u="none" strike="noStrike" kern="0" cap="none" spc="0" normalizeH="0" baseline="0" noProof="0" dirty="0">
               <a:ln>
                 <a:noFill/>
               </a:ln>
@@ -4384,6 +4325,101 @@
               <a:effectLst/>
               <a:uLnTx/>
               <a:uFillTx/>
+              <a:latin typeface="Arial" pitchFamily="34" charset="0"/>
+              <a:ea typeface="微软雅黑" pitchFamily="34" charset="-122"/>
+              <a:cs typeface="Arial" pitchFamily="34" charset="0"/>
+            </a:endParaRPr>
+          </a:p>
+          <a:p>
+            <a:pPr marL="742950" lvl="1" indent="-285750">
+              <a:buFont typeface="Arial" panose="020B0604020202020204" pitchFamily="34" charset="0"/>
+              <a:buChar char="•"/>
+              <a:defRPr/>
+            </a:pPr>
+            <a:r>
+              <a:rPr lang="en-US" altLang="zh-CN" sz="950" kern="0" dirty="0">
+                <a:solidFill>
+                  <a:srgbClr val="4C3A00"/>
+                </a:solidFill>
+                <a:latin typeface="Arial" pitchFamily="34" charset="0"/>
+                <a:ea typeface="微软雅黑" pitchFamily="34" charset="-122"/>
+                <a:cs typeface="Arial" pitchFamily="34" charset="0"/>
+              </a:rPr>
+              <a:t>DeviceOn/EdgeSense Built-in </a:t>
+            </a:r>
+          </a:p>
+          <a:p>
+            <a:pPr marL="742950" lvl="1" indent="-285750">
+              <a:buFont typeface="Arial" panose="020B0604020202020204" pitchFamily="34" charset="0"/>
+              <a:buChar char="•"/>
+              <a:defRPr/>
+            </a:pPr>
+            <a:r>
+              <a:rPr lang="en-US" altLang="zh-CN" sz="950" kern="0" dirty="0" smtClean="0">
+                <a:solidFill>
+                  <a:srgbClr val="4C3A00"/>
+                </a:solidFill>
+                <a:latin typeface="Arial" pitchFamily="34" charset="0"/>
+                <a:ea typeface="微软雅黑" pitchFamily="34" charset="-122"/>
+                <a:cs typeface="Arial" pitchFamily="34" charset="0"/>
+              </a:rPr>
+              <a:t>Private </a:t>
+            </a:r>
+            <a:r>
+              <a:rPr lang="en-US" altLang="zh-CN" sz="950" kern="0" dirty="0" smtClean="0">
+                <a:solidFill>
+                  <a:srgbClr val="4C3A00"/>
+                </a:solidFill>
+                <a:latin typeface="Arial" pitchFamily="34" charset="0"/>
+                <a:ea typeface="微软雅黑" pitchFamily="34" charset="-122"/>
+                <a:cs typeface="Arial" pitchFamily="34" charset="0"/>
+              </a:rPr>
+              <a:t>Chart </a:t>
+            </a:r>
+            <a:r>
+              <a:rPr lang="en-US" altLang="zh-CN" sz="950" kern="0" dirty="0" smtClean="0">
+                <a:solidFill>
+                  <a:srgbClr val="4C3A00"/>
+                </a:solidFill>
+                <a:latin typeface="Arial" pitchFamily="34" charset="0"/>
+                <a:ea typeface="微软雅黑" pitchFamily="34" charset="-122"/>
+                <a:cs typeface="Arial" pitchFamily="34" charset="0"/>
+              </a:rPr>
+              <a:t>Repo</a:t>
+            </a:r>
+          </a:p>
+          <a:p>
+            <a:pPr marL="742950" lvl="1" indent="-285750">
+              <a:buFont typeface="Arial" panose="020B0604020202020204" pitchFamily="34" charset="0"/>
+              <a:buChar char="•"/>
+              <a:defRPr/>
+            </a:pPr>
+            <a:r>
+              <a:rPr lang="en-US" altLang="zh-TW" sz="950" kern="0" dirty="0">
+                <a:solidFill>
+                  <a:srgbClr val="4C3A00"/>
+                </a:solidFill>
+                <a:latin typeface="Arial" pitchFamily="34" charset="0"/>
+                <a:ea typeface="微软雅黑" pitchFamily="34" charset="-122"/>
+                <a:cs typeface="Arial" pitchFamily="34" charset="0"/>
+              </a:rPr>
+              <a:t>User Manual, Training </a:t>
+            </a:r>
+            <a:r>
+              <a:rPr lang="en-US" altLang="zh-TW" sz="950" kern="0" dirty="0" smtClean="0">
+                <a:solidFill>
+                  <a:srgbClr val="4C3A00"/>
+                </a:solidFill>
+                <a:latin typeface="Arial" pitchFamily="34" charset="0"/>
+                <a:ea typeface="微软雅黑" pitchFamily="34" charset="-122"/>
+                <a:cs typeface="Arial" pitchFamily="34" charset="0"/>
+              </a:rPr>
+              <a:t>Material</a:t>
+            </a:r>
+            <a:endParaRPr lang="en-US" altLang="zh-TW" sz="950" kern="0" dirty="0">
+              <a:solidFill>
+                <a:srgbClr val="4C3A00"/>
+              </a:solidFill>
               <a:latin typeface="Arial" pitchFamily="34" charset="0"/>
               <a:ea typeface="微软雅黑" pitchFamily="34" charset="-122"/>
               <a:cs typeface="Arial" pitchFamily="34" charset="0"/>
@@ -5512,7 +5548,7 @@
               <a:defRPr/>
             </a:pPr>
             <a:r>
-              <a:rPr kumimoji="0" lang="en-US" altLang="zh-CN" sz="2400" b="1" i="0" u="none" strike="noStrike" kern="0" cap="none" spc="0" normalizeH="0" baseline="0" noProof="0" dirty="0">
+              <a:rPr kumimoji="0" lang="en-US" altLang="zh-CN" sz="2400" b="1" i="0" u="none" strike="noStrike" kern="0" cap="none" spc="0" normalizeH="0" baseline="0" noProof="0" dirty="0" smtClean="0">
                 <a:ln w="18415" cmpd="sng">
                   <a:noFill/>
                   <a:prstDash val="solid"/>
@@ -5526,7 +5562,24 @@
                 <a:latin typeface="Agency FB" pitchFamily="34" charset="0"/>
                 <a:ea typeface="微软雅黑" pitchFamily="34" charset="-122"/>
               </a:rPr>
-              <a:t>SPRING II</a:t>
+              <a:t>SPRINT </a:t>
+            </a:r>
+            <a:r>
+              <a:rPr kumimoji="0" lang="en-US" altLang="zh-CN" sz="2400" b="1" i="0" u="none" strike="noStrike" kern="0" cap="none" spc="0" normalizeH="0" baseline="0" noProof="0" dirty="0">
+                <a:ln w="18415" cmpd="sng">
+                  <a:noFill/>
+                  <a:prstDash val="solid"/>
+                </a:ln>
+                <a:solidFill>
+                  <a:sysClr val="window" lastClr="FFFFFF"/>
+                </a:solidFill>
+                <a:effectLst/>
+                <a:uLnTx/>
+                <a:uFillTx/>
+                <a:latin typeface="Agency FB" pitchFamily="34" charset="0"/>
+                <a:ea typeface="微软雅黑" pitchFamily="34" charset="-122"/>
+              </a:rPr>
+              <a:t>II</a:t>
             </a:r>
             <a:endParaRPr kumimoji="0" lang="zh-CN" altLang="en-US" sz="2400" b="1" i="0" u="none" strike="noStrike" kern="0" cap="none" spc="0" normalizeH="0" baseline="0" noProof="0" dirty="0">
               <a:ln w="18415" cmpd="sng">
@@ -5560,7 +5613,7 @@
         <p:spPr>
           <a:xfrm>
             <a:off x="2916053" y="3701363"/>
-            <a:ext cx="2618921" cy="938719"/>
+            <a:ext cx="2618921" cy="954107"/>
           </a:xfrm>
           <a:prstGeom prst="rect">
             <a:avLst/>
@@ -5579,7 +5632,7 @@
               <a:defRPr/>
             </a:pPr>
             <a:r>
-              <a:rPr lang="en-US" altLang="zh-CN" sz="1100" kern="0" dirty="0">
+              <a:rPr lang="en-US" altLang="zh-CN" sz="700" kern="0" dirty="0" smtClean="0">
                 <a:solidFill>
                   <a:srgbClr val="4C3A00"/>
                 </a:solidFill>
@@ -5587,10 +5640,28 @@
                 <a:ea typeface="微软雅黑" pitchFamily="34" charset="-122"/>
                 <a:cs typeface="Arial" pitchFamily="34" charset="0"/>
               </a:rPr>
-              <a:t>Two Node (Master + Worker), HDD </a:t>
-            </a:r>
-            <a:r>
-              <a:rPr lang="en-US" altLang="zh-CN" sz="1100" kern="0" dirty="0" smtClean="0">
+              <a:t>Deployment</a:t>
+            </a:r>
+          </a:p>
+          <a:p>
+            <a:pPr marL="742950" lvl="1" indent="-285750">
+              <a:buFont typeface="Arial" panose="020B0604020202020204" pitchFamily="34" charset="0"/>
+              <a:buChar char="•"/>
+              <a:defRPr/>
+            </a:pPr>
+            <a:r>
+              <a:rPr lang="en-US" altLang="zh-CN" sz="700" kern="0" dirty="0">
+                <a:solidFill>
+                  <a:srgbClr val="4C3A00"/>
+                </a:solidFill>
+                <a:latin typeface="Arial" pitchFamily="34" charset="0"/>
+                <a:ea typeface="微软雅黑" pitchFamily="34" charset="-122"/>
+                <a:cs typeface="Arial" pitchFamily="34" charset="0"/>
+              </a:rPr>
+              <a:t>Two Nodes, HDD </a:t>
+            </a:r>
+            <a:r>
+              <a:rPr lang="en-US" altLang="zh-CN" sz="700" kern="0" dirty="0" smtClean="0">
                 <a:solidFill>
                   <a:srgbClr val="4C3A00"/>
                 </a:solidFill>
@@ -5600,36 +5671,7 @@
               </a:rPr>
               <a:t>1T/5T</a:t>
             </a:r>
-          </a:p>
-          <a:p>
-            <a:pPr marL="285750" lvl="0" indent="-285750">
-              <a:buFont typeface="Arial" panose="020B0604020202020204" pitchFamily="34" charset="0"/>
-              <a:buChar char="•"/>
-              <a:defRPr/>
-            </a:pPr>
-            <a:r>
-              <a:rPr lang="en-US" altLang="zh-CN" sz="1100" kern="0" dirty="0">
-                <a:solidFill>
-                  <a:srgbClr val="4C3A00"/>
-                </a:solidFill>
-                <a:latin typeface="Arial" pitchFamily="34" charset="0"/>
-                <a:ea typeface="微软雅黑" pitchFamily="34" charset="-122"/>
-                <a:cs typeface="Arial" pitchFamily="34" charset="0"/>
-              </a:rPr>
-              <a:t>Software Component, </a:t>
-            </a:r>
-            <a:r>
-              <a:rPr lang="en-US" altLang="zh-CN" sz="1100" kern="0" dirty="0" smtClean="0">
-                <a:solidFill>
-                  <a:srgbClr val="4C3A00"/>
-                </a:solidFill>
-                <a:latin typeface="Arial" pitchFamily="34" charset="0"/>
-                <a:ea typeface="微软雅黑" pitchFamily="34" charset="-122"/>
-                <a:cs typeface="Arial" pitchFamily="34" charset="0"/>
-              </a:rPr>
-              <a:t>v-1.1.x</a:t>
-            </a:r>
-            <a:endParaRPr lang="en-US" altLang="zh-CN" sz="1100" kern="0" dirty="0" smtClean="0">
+            <a:endParaRPr lang="en-US" altLang="zh-CN" sz="700" kern="0" dirty="0" smtClean="0">
               <a:solidFill>
                 <a:srgbClr val="4C3A00"/>
               </a:solidFill>
@@ -5639,13 +5681,13 @@
             </a:endParaRPr>
           </a:p>
           <a:p>
-            <a:pPr marL="285750" lvl="0" indent="-285750">
+            <a:pPr marL="742950" lvl="1" indent="-285750">
               <a:buFont typeface="Arial" panose="020B0604020202020204" pitchFamily="34" charset="0"/>
               <a:buChar char="•"/>
               <a:defRPr/>
             </a:pPr>
             <a:r>
-              <a:rPr lang="en-US" altLang="zh-CN" sz="1100" kern="0" dirty="0" smtClean="0">
+              <a:rPr lang="en-US" altLang="zh-CN" sz="700" kern="0" dirty="0" smtClean="0">
                 <a:solidFill>
                   <a:srgbClr val="4C3A00"/>
                 </a:solidFill>
@@ -5653,60 +5695,9 @@
                 <a:ea typeface="微软雅黑" pitchFamily="34" charset="-122"/>
                 <a:cs typeface="Arial" pitchFamily="34" charset="0"/>
               </a:rPr>
-              <a:t>Private </a:t>
-            </a:r>
-            <a:r>
-              <a:rPr lang="en-US" altLang="zh-CN" sz="1100" kern="0" dirty="0" err="1" smtClean="0">
-                <a:solidFill>
-                  <a:srgbClr val="4C3A00"/>
-                </a:solidFill>
-                <a:latin typeface="Arial" pitchFamily="34" charset="0"/>
-                <a:ea typeface="微软雅黑" pitchFamily="34" charset="-122"/>
-                <a:cs typeface="Arial" pitchFamily="34" charset="0"/>
-              </a:rPr>
-              <a:t>Docker</a:t>
-            </a:r>
-            <a:r>
-              <a:rPr lang="en-US" altLang="zh-CN" sz="1100" kern="0" dirty="0" smtClean="0">
-                <a:solidFill>
-                  <a:srgbClr val="4C3A00"/>
-                </a:solidFill>
-                <a:latin typeface="Arial" pitchFamily="34" charset="0"/>
-                <a:ea typeface="微软雅黑" pitchFamily="34" charset="-122"/>
-                <a:cs typeface="Arial" pitchFamily="34" charset="0"/>
-              </a:rPr>
-              <a:t> Registry</a:t>
-            </a:r>
-          </a:p>
-          <a:p>
-            <a:pPr marL="285750" indent="-285750">
-              <a:buFont typeface="Arial" panose="020B0604020202020204" pitchFamily="34" charset="0"/>
-              <a:buChar char="•"/>
-              <a:defRPr/>
-            </a:pPr>
-            <a:r>
-              <a:rPr lang="en-US" altLang="zh-TW" sz="1100" kern="0" dirty="0">
-                <a:solidFill>
-                  <a:srgbClr val="4C3A00"/>
-                </a:solidFill>
-                <a:latin typeface="Arial" pitchFamily="34" charset="0"/>
-                <a:ea typeface="微软雅黑" pitchFamily="34" charset="-122"/>
-                <a:cs typeface="Arial" pitchFamily="34" charset="0"/>
-              </a:rPr>
-              <a:t>User Manual, Training </a:t>
-            </a:r>
-            <a:r>
-              <a:rPr lang="en-US" altLang="zh-TW" sz="1100" kern="0" dirty="0" smtClean="0">
-                <a:solidFill>
-                  <a:srgbClr val="4C3A00"/>
-                </a:solidFill>
-                <a:latin typeface="Arial" pitchFamily="34" charset="0"/>
-                <a:ea typeface="微软雅黑" pitchFamily="34" charset="-122"/>
-                <a:cs typeface="Arial" pitchFamily="34" charset="0"/>
-              </a:rPr>
-              <a:t>Material</a:t>
-            </a:r>
-            <a:endParaRPr lang="en-US" altLang="zh-TW" sz="1100" kern="0" dirty="0">
+              <a:t>Dynamic Configuration</a:t>
+            </a:r>
+            <a:endParaRPr lang="en-US" altLang="zh-CN" sz="700" kern="0" dirty="0" smtClean="0">
               <a:solidFill>
                 <a:srgbClr val="4C3A00"/>
               </a:solidFill>
@@ -5715,6 +5706,208 @@
               <a:cs typeface="Arial" pitchFamily="34" charset="0"/>
             </a:endParaRPr>
           </a:p>
+          <a:p>
+            <a:pPr marL="285750" lvl="0" indent="-285750">
+              <a:buFont typeface="Arial" panose="020B0604020202020204" pitchFamily="34" charset="0"/>
+              <a:buChar char="•"/>
+              <a:defRPr/>
+            </a:pPr>
+            <a:r>
+              <a:rPr lang="en-US" altLang="zh-CN" sz="700" kern="0" dirty="0" smtClean="0">
+                <a:solidFill>
+                  <a:srgbClr val="4C3A00"/>
+                </a:solidFill>
+                <a:latin typeface="Arial" pitchFamily="34" charset="0"/>
+                <a:ea typeface="微软雅黑" pitchFamily="34" charset="-122"/>
+                <a:cs typeface="Arial" pitchFamily="34" charset="0"/>
+              </a:rPr>
+              <a:t>Software </a:t>
+            </a:r>
+            <a:r>
+              <a:rPr lang="en-US" altLang="zh-CN" sz="700" kern="0" dirty="0">
+                <a:solidFill>
+                  <a:srgbClr val="4C3A00"/>
+                </a:solidFill>
+                <a:latin typeface="Arial" pitchFamily="34" charset="0"/>
+                <a:ea typeface="微软雅黑" pitchFamily="34" charset="-122"/>
+                <a:cs typeface="Arial" pitchFamily="34" charset="0"/>
+              </a:rPr>
+              <a:t>Component, </a:t>
+            </a:r>
+            <a:r>
+              <a:rPr lang="en-US" altLang="zh-CN" sz="700" kern="0" dirty="0" smtClean="0">
+                <a:solidFill>
+                  <a:srgbClr val="4C3A00"/>
+                </a:solidFill>
+                <a:latin typeface="Arial" pitchFamily="34" charset="0"/>
+                <a:ea typeface="微软雅黑" pitchFamily="34" charset="-122"/>
+                <a:cs typeface="Arial" pitchFamily="34" charset="0"/>
+              </a:rPr>
+              <a:t>v-1.1.x</a:t>
+            </a:r>
+          </a:p>
+          <a:p>
+            <a:pPr marL="742950" lvl="1" indent="-285750">
+              <a:buFont typeface="Arial" panose="020B0604020202020204" pitchFamily="34" charset="0"/>
+              <a:buChar char="•"/>
+              <a:defRPr/>
+            </a:pPr>
+            <a:r>
+              <a:rPr lang="en-US" altLang="zh-CN" sz="700" kern="0" dirty="0">
+                <a:solidFill>
+                  <a:srgbClr val="4C3A00"/>
+                </a:solidFill>
+                <a:latin typeface="Arial" pitchFamily="34" charset="0"/>
+                <a:ea typeface="微软雅黑" pitchFamily="34" charset="-122"/>
+                <a:cs typeface="Arial" pitchFamily="34" charset="0"/>
+              </a:rPr>
+              <a:t>Logging </a:t>
+            </a:r>
+            <a:r>
+              <a:rPr lang="en-US" altLang="zh-CN" sz="700" kern="0" dirty="0" smtClean="0">
+                <a:solidFill>
+                  <a:srgbClr val="4C3A00"/>
+                </a:solidFill>
+                <a:latin typeface="Arial" pitchFamily="34" charset="0"/>
+                <a:ea typeface="微软雅黑" pitchFamily="34" charset="-122"/>
+                <a:cs typeface="Arial" pitchFamily="34" charset="0"/>
+              </a:rPr>
+              <a:t>Management</a:t>
+            </a:r>
+            <a:endParaRPr lang="en-US" altLang="zh-CN" sz="700" kern="0" dirty="0" smtClean="0">
+              <a:solidFill>
+                <a:srgbClr val="4C3A00"/>
+              </a:solidFill>
+              <a:latin typeface="Arial" pitchFamily="34" charset="0"/>
+              <a:ea typeface="微软雅黑" pitchFamily="34" charset="-122"/>
+              <a:cs typeface="Arial" pitchFamily="34" charset="0"/>
+            </a:endParaRPr>
+          </a:p>
+          <a:p>
+            <a:pPr marL="742950" lvl="1" indent="-285750">
+              <a:buFont typeface="Arial" panose="020B0604020202020204" pitchFamily="34" charset="0"/>
+              <a:buChar char="•"/>
+              <a:defRPr/>
+            </a:pPr>
+            <a:r>
+              <a:rPr lang="en-US" altLang="zh-CN" sz="700" kern="0" dirty="0" smtClean="0">
+                <a:solidFill>
+                  <a:srgbClr val="4C3A00"/>
+                </a:solidFill>
+                <a:latin typeface="Arial" pitchFamily="34" charset="0"/>
+                <a:ea typeface="微软雅黑" pitchFamily="34" charset="-122"/>
+                <a:cs typeface="Arial" pitchFamily="34" charset="0"/>
+              </a:rPr>
+              <a:t>Private </a:t>
+            </a:r>
+            <a:r>
+              <a:rPr lang="en-US" altLang="zh-CN" sz="700" kern="0" dirty="0" err="1" smtClean="0">
+                <a:solidFill>
+                  <a:srgbClr val="4C3A00"/>
+                </a:solidFill>
+                <a:latin typeface="Arial" pitchFamily="34" charset="0"/>
+                <a:ea typeface="微软雅黑" pitchFamily="34" charset="-122"/>
+                <a:cs typeface="Arial" pitchFamily="34" charset="0"/>
+              </a:rPr>
+              <a:t>Docker</a:t>
+            </a:r>
+            <a:r>
+              <a:rPr lang="en-US" altLang="zh-CN" sz="700" kern="0" dirty="0" smtClean="0">
+                <a:solidFill>
+                  <a:srgbClr val="4C3A00"/>
+                </a:solidFill>
+                <a:latin typeface="Arial" pitchFamily="34" charset="0"/>
+                <a:ea typeface="微软雅黑" pitchFamily="34" charset="-122"/>
+                <a:cs typeface="Arial" pitchFamily="34" charset="0"/>
+              </a:rPr>
+              <a:t> </a:t>
+            </a:r>
+            <a:r>
+              <a:rPr lang="en-US" altLang="zh-CN" sz="700" kern="0" dirty="0" smtClean="0">
+                <a:solidFill>
+                  <a:srgbClr val="4C3A00"/>
+                </a:solidFill>
+                <a:latin typeface="Arial" pitchFamily="34" charset="0"/>
+                <a:ea typeface="微软雅黑" pitchFamily="34" charset="-122"/>
+                <a:cs typeface="Arial" pitchFamily="34" charset="0"/>
+              </a:rPr>
+              <a:t>Registry</a:t>
+            </a:r>
+          </a:p>
+          <a:p>
+            <a:pPr marL="742950" lvl="1" indent="-285750">
+              <a:buFont typeface="Arial" panose="020B0604020202020204" pitchFamily="34" charset="0"/>
+              <a:buChar char="•"/>
+              <a:defRPr/>
+            </a:pPr>
+            <a:r>
+              <a:rPr lang="en-US" altLang="zh-CN" sz="700" kern="0" dirty="0" err="1" smtClean="0">
+                <a:solidFill>
+                  <a:srgbClr val="4C3A00"/>
+                </a:solidFill>
+                <a:latin typeface="Arial" pitchFamily="34" charset="0"/>
+                <a:ea typeface="微软雅黑" pitchFamily="34" charset="-122"/>
+                <a:cs typeface="Arial" pitchFamily="34" charset="0"/>
+              </a:rPr>
+              <a:t>Ceph</a:t>
+            </a:r>
+            <a:r>
+              <a:rPr lang="en-US" altLang="zh-CN" sz="700" kern="0" dirty="0" smtClean="0">
+                <a:solidFill>
+                  <a:srgbClr val="4C3A00"/>
+                </a:solidFill>
+                <a:latin typeface="Arial" pitchFamily="34" charset="0"/>
+                <a:ea typeface="微软雅黑" pitchFamily="34" charset="-122"/>
+                <a:cs typeface="Arial" pitchFamily="34" charset="0"/>
+              </a:rPr>
+              <a:t> Exporter</a:t>
+            </a:r>
+            <a:endParaRPr lang="en-US" altLang="zh-CN" sz="700" kern="0" dirty="0" smtClean="0">
+              <a:solidFill>
+                <a:srgbClr val="4C3A00"/>
+              </a:solidFill>
+              <a:latin typeface="Arial" pitchFamily="34" charset="0"/>
+              <a:ea typeface="微软雅黑" pitchFamily="34" charset="-122"/>
+              <a:cs typeface="Arial" pitchFamily="34" charset="0"/>
+            </a:endParaRPr>
+          </a:p>
+          <a:p>
+            <a:pPr marL="742950" lvl="1" indent="-285750">
+              <a:buFont typeface="Arial" panose="020B0604020202020204" pitchFamily="34" charset="0"/>
+              <a:buChar char="•"/>
+              <a:defRPr/>
+            </a:pPr>
+            <a:r>
+              <a:rPr lang="en-US" altLang="zh-TW" sz="700" kern="0" dirty="0">
+                <a:solidFill>
+                  <a:srgbClr val="4C3A00"/>
+                </a:solidFill>
+                <a:latin typeface="Arial" pitchFamily="34" charset="0"/>
+                <a:ea typeface="微软雅黑" pitchFamily="34" charset="-122"/>
+                <a:cs typeface="Arial" pitchFamily="34" charset="0"/>
+              </a:rPr>
+              <a:t>User Manual, Training </a:t>
+            </a:r>
+            <a:r>
+              <a:rPr lang="en-US" altLang="zh-TW" sz="700" kern="0" dirty="0" smtClean="0">
+                <a:solidFill>
+                  <a:srgbClr val="4C3A00"/>
+                </a:solidFill>
+                <a:latin typeface="Arial" pitchFamily="34" charset="0"/>
+                <a:ea typeface="微软雅黑" pitchFamily="34" charset="-122"/>
+                <a:cs typeface="Arial" pitchFamily="34" charset="0"/>
+              </a:rPr>
+              <a:t>Material</a:t>
+            </a:r>
+            <a:endParaRPr lang="en-US" altLang="zh-TW" sz="700" kern="0" dirty="0">
+              <a:solidFill>
+                <a:srgbClr val="4C3A00"/>
+              </a:solidFill>
+              <a:latin typeface="Arial" pitchFamily="34" charset="0"/>
+              <a:ea typeface="微软雅黑" pitchFamily="34" charset="-122"/>
+              <a:cs typeface="Arial" pitchFamily="34" charset="0"/>
+            </a:endParaRPr>
+          </a:p>
         </p:txBody>
       </p:sp>
       <p:sp>
@@ -5732,7 +5925,7 @@
         <p:spPr>
           <a:xfrm>
             <a:off x="4200748" y="1724508"/>
-            <a:ext cx="2978838" cy="1376840"/>
+            <a:ext cx="2978838" cy="1416460"/>
           </a:xfrm>
           <a:custGeom>
             <a:avLst/>
@@ -6074,7 +6267,7 @@
               <a:defRPr/>
             </a:pPr>
             <a:r>
-              <a:rPr kumimoji="0" lang="en-US" altLang="zh-CN" sz="2400" b="1" i="0" u="none" strike="noStrike" kern="0" cap="none" spc="0" normalizeH="0" baseline="0" noProof="0" dirty="0">
+              <a:rPr kumimoji="0" lang="en-US" altLang="zh-CN" sz="2400" b="1" i="0" u="none" strike="noStrike" kern="0" cap="none" spc="0" normalizeH="0" baseline="0" noProof="0" dirty="0" smtClean="0">
                 <a:ln w="18415" cmpd="sng">
                   <a:noFill/>
                   <a:prstDash val="solid"/>
@@ -6088,7 +6281,24 @@
                 <a:latin typeface="Agency FB" pitchFamily="34" charset="0"/>
                 <a:ea typeface="微软雅黑" pitchFamily="34" charset="-122"/>
               </a:rPr>
-              <a:t>SPRING III</a:t>
+              <a:t>SPRINT </a:t>
+            </a:r>
+            <a:r>
+              <a:rPr kumimoji="0" lang="en-US" altLang="zh-CN" sz="2400" b="1" i="0" u="none" strike="noStrike" kern="0" cap="none" spc="0" normalizeH="0" baseline="0" noProof="0" dirty="0">
+                <a:ln w="18415" cmpd="sng">
+                  <a:noFill/>
+                  <a:prstDash val="solid"/>
+                </a:ln>
+                <a:solidFill>
+                  <a:sysClr val="window" lastClr="FFFFFF"/>
+                </a:solidFill>
+                <a:effectLst/>
+                <a:uLnTx/>
+                <a:uFillTx/>
+                <a:latin typeface="Agency FB" pitchFamily="34" charset="0"/>
+                <a:ea typeface="微软雅黑" pitchFamily="34" charset="-122"/>
+              </a:rPr>
+              <a:t>III</a:t>
             </a:r>
             <a:endParaRPr kumimoji="0" lang="zh-CN" altLang="en-US" sz="2400" b="1" i="0" u="none" strike="noStrike" kern="0" cap="none" spc="0" normalizeH="0" baseline="0" noProof="0" dirty="0">
               <a:ln w="18415" cmpd="sng">
@@ -6122,7 +6332,7 @@
         <p:spPr>
           <a:xfrm>
             <a:off x="4455889" y="2223453"/>
-            <a:ext cx="2618921" cy="1015663"/>
+            <a:ext cx="2618921" cy="969496"/>
           </a:xfrm>
           <a:prstGeom prst="rect">
             <a:avLst/>
@@ -6141,7 +6351,7 @@
               <a:defRPr/>
             </a:pPr>
             <a:r>
-              <a:rPr lang="en-US" altLang="zh-CN" sz="1000" kern="0" dirty="0" smtClean="0">
+              <a:rPr lang="en-US" altLang="zh-CN" sz="950" kern="0" dirty="0">
                 <a:solidFill>
                   <a:srgbClr val="4C3A00"/>
                 </a:solidFill>
@@ -6149,10 +6359,25 @@
                 <a:ea typeface="微软雅黑" pitchFamily="34" charset="-122"/>
                 <a:cs typeface="Arial" pitchFamily="34" charset="0"/>
               </a:rPr>
-              <a:t>Scaling up</a:t>
-            </a:r>
-            <a:r>
-              <a:rPr lang="en-US" altLang="zh-CN" sz="1000" kern="0" dirty="0" smtClean="0">
+              <a:t>Deployment</a:t>
+            </a:r>
+            <a:endParaRPr lang="en-US" altLang="zh-CN" sz="950" kern="0" dirty="0" smtClean="0">
+              <a:solidFill>
+                <a:srgbClr val="4C3A00"/>
+              </a:solidFill>
+              <a:latin typeface="Arial" pitchFamily="34" charset="0"/>
+              <a:ea typeface="微软雅黑" pitchFamily="34" charset="-122"/>
+              <a:cs typeface="Arial" pitchFamily="34" charset="0"/>
+            </a:endParaRPr>
+          </a:p>
+          <a:p>
+            <a:pPr marL="742950" lvl="1" indent="-285750">
+              <a:buFont typeface="Arial" panose="020B0604020202020204" pitchFamily="34" charset="0"/>
+              <a:buChar char="•"/>
+              <a:defRPr/>
+            </a:pPr>
+            <a:r>
+              <a:rPr lang="en-US" altLang="zh-CN" sz="950" kern="0" dirty="0" smtClean="0">
                 <a:solidFill>
                   <a:srgbClr val="4C3A00"/>
                 </a:solidFill>
@@ -6160,10 +6385,10 @@
                 <a:ea typeface="微软雅黑" pitchFamily="34" charset="-122"/>
                 <a:cs typeface="Arial" pitchFamily="34" charset="0"/>
               </a:rPr>
-              <a:t>, One Node </a:t>
-            </a:r>
-            <a:r>
-              <a:rPr lang="en-US" altLang="zh-CN" sz="1000" kern="0" dirty="0">
+              <a:t>Scaling </a:t>
+            </a:r>
+            <a:r>
+              <a:rPr lang="en-US" altLang="zh-CN" sz="950" kern="0" dirty="0" smtClean="0">
                 <a:solidFill>
                   <a:srgbClr val="4C3A00"/>
                 </a:solidFill>
@@ -6171,10 +6396,10 @@
                 <a:ea typeface="微软雅黑" pitchFamily="34" charset="-122"/>
                 <a:cs typeface="Arial" pitchFamily="34" charset="0"/>
               </a:rPr>
-              <a:t>to </a:t>
-            </a:r>
-            <a:r>
-              <a:rPr lang="en-US" altLang="zh-CN" sz="1000" kern="0" dirty="0" smtClean="0">
+              <a:t>up, </a:t>
+            </a:r>
+            <a:r>
+              <a:rPr lang="en-US" altLang="zh-CN" sz="950" kern="0" dirty="0">
                 <a:solidFill>
                   <a:srgbClr val="4C3A00"/>
                 </a:solidFill>
@@ -6182,9 +6407,20 @@
                 <a:ea typeface="微软雅黑" pitchFamily="34" charset="-122"/>
                 <a:cs typeface="Arial" pitchFamily="34" charset="0"/>
               </a:rPr>
-              <a:t>Two Nodes</a:t>
-            </a:r>
-            <a:endParaRPr lang="en-US" altLang="zh-CN" sz="1000" kern="0" dirty="0">
+              <a:t>1</a:t>
+            </a:r>
+            <a:r>
+              <a:rPr lang="en-US" altLang="zh-CN" sz="950" kern="0" dirty="0" smtClean="0">
+                <a:solidFill>
+                  <a:srgbClr val="4C3A00"/>
+                </a:solidFill>
+                <a:latin typeface="Arial" pitchFamily="34" charset="0"/>
+                <a:ea typeface="微软雅黑" pitchFamily="34" charset="-122"/>
+                <a:cs typeface="Arial" pitchFamily="34" charset="0"/>
+              </a:rPr>
+              <a:t> -&gt; 2</a:t>
+            </a:r>
+            <a:endParaRPr lang="en-US" altLang="zh-CN" sz="950" kern="0" dirty="0">
               <a:solidFill>
                 <a:srgbClr val="4C3A00"/>
               </a:solidFill>
@@ -6206,7 +6442,7 @@
               <a:defRPr/>
             </a:pPr>
             <a:r>
-              <a:rPr lang="en-US" altLang="zh-CN" sz="1000" kern="0" dirty="0" smtClean="0">
+              <a:rPr lang="en-US" altLang="zh-CN" sz="950" kern="0" dirty="0" smtClean="0">
                 <a:solidFill>
                   <a:srgbClr val="4C3A00"/>
                 </a:solidFill>
@@ -6217,7 +6453,7 @@
               <a:t>Software </a:t>
             </a:r>
             <a:r>
-              <a:rPr lang="en-US" altLang="zh-CN" sz="1000" kern="0" dirty="0">
+              <a:rPr lang="en-US" altLang="zh-CN" sz="950" kern="0" dirty="0">
                 <a:solidFill>
                   <a:srgbClr val="4C3A00"/>
                 </a:solidFill>
@@ -6228,7 +6464,7 @@
               <a:t>Component, </a:t>
             </a:r>
             <a:r>
-              <a:rPr lang="en-US" altLang="zh-CN" sz="1000" kern="0" dirty="0" smtClean="0">
+              <a:rPr lang="en-US" altLang="zh-CN" sz="950" kern="0" dirty="0" smtClean="0">
                 <a:solidFill>
                   <a:srgbClr val="4C3A00"/>
                 </a:solidFill>
@@ -6240,19 +6476,13 @@
             </a:r>
           </a:p>
           <a:p>
-            <a:pPr marL="285750" indent="-285750" fontAlgn="auto">
-              <a:spcBef>
-                <a:spcPts val="0"/>
-              </a:spcBef>
-              <a:spcAft>
-                <a:spcPts val="0"/>
-              </a:spcAft>
+            <a:pPr marL="742950" lvl="2" indent="-285750">
               <a:buFont typeface="Arial" panose="020B0604020202020204" pitchFamily="34" charset="0"/>
               <a:buChar char="•"/>
               <a:defRPr/>
             </a:pPr>
             <a:r>
-              <a:rPr lang="en-US" altLang="zh-CN" sz="1000" kern="0" dirty="0" smtClean="0">
+              <a:rPr lang="en-US" altLang="zh-CN" sz="950" kern="0" dirty="0" err="1" smtClean="0">
                 <a:solidFill>
                   <a:srgbClr val="4C3A00"/>
                 </a:solidFill>
@@ -6260,9 +6490,20 @@
                 <a:ea typeface="微软雅黑" pitchFamily="34" charset="-122"/>
                 <a:cs typeface="Arial" pitchFamily="34" charset="0"/>
               </a:rPr>
-              <a:t>Logging Management</a:t>
-            </a:r>
-            <a:endParaRPr lang="en-US" altLang="zh-CN" sz="1000" kern="0" dirty="0">
+              <a:t>ChartDiscovery</a:t>
+            </a:r>
+            <a:r>
+              <a:rPr lang="en-US" altLang="zh-CN" sz="950" kern="0" dirty="0" smtClean="0">
+                <a:solidFill>
+                  <a:srgbClr val="4C3A00"/>
+                </a:solidFill>
+                <a:latin typeface="Arial" pitchFamily="34" charset="0"/>
+                <a:ea typeface="微软雅黑" pitchFamily="34" charset="-122"/>
+                <a:cs typeface="Arial" pitchFamily="34" charset="0"/>
+              </a:rPr>
+              <a:t>/Marketplace</a:t>
+            </a:r>
+            <a:endParaRPr lang="en-US" altLang="zh-CN" sz="950" kern="0" dirty="0" smtClean="0">
               <a:solidFill>
                 <a:srgbClr val="4C3A00"/>
               </a:solidFill>
@@ -6272,19 +6513,13 @@
             </a:endParaRPr>
           </a:p>
           <a:p>
-            <a:pPr marL="285750" indent="-285750" fontAlgn="auto">
-              <a:spcBef>
-                <a:spcPts val="0"/>
-              </a:spcBef>
-              <a:spcAft>
-                <a:spcPts val="0"/>
-              </a:spcAft>
+            <a:pPr marL="742950" lvl="1" indent="-285750">
               <a:buFont typeface="Arial" panose="020B0604020202020204" pitchFamily="34" charset="0"/>
               <a:buChar char="•"/>
               <a:defRPr/>
             </a:pPr>
             <a:r>
-              <a:rPr lang="en-US" altLang="zh-CN" sz="1000" kern="0" dirty="0">
+              <a:rPr lang="en-US" altLang="zh-CN" sz="950" kern="0" dirty="0" err="1" smtClean="0">
                 <a:solidFill>
                   <a:srgbClr val="4C3A00"/>
                 </a:solidFill>
@@ -6292,10 +6527,10 @@
                 <a:ea typeface="微软雅黑" pitchFamily="34" charset="-122"/>
                 <a:cs typeface="Arial" pitchFamily="34" charset="0"/>
               </a:rPr>
-              <a:t>Chart </a:t>
-            </a:r>
-            <a:r>
-              <a:rPr lang="en-US" altLang="zh-CN" sz="1000" kern="0" dirty="0" smtClean="0">
+              <a:t>ChartManagement</a:t>
+            </a:r>
+            <a:r>
+              <a:rPr lang="en-US" altLang="zh-CN" sz="950" kern="0" dirty="0" smtClean="0">
                 <a:solidFill>
                   <a:srgbClr val="4C3A00"/>
                 </a:solidFill>
@@ -6303,17 +6538,25 @@
                 <a:ea typeface="微软雅黑" pitchFamily="34" charset="-122"/>
                 <a:cs typeface="Arial" pitchFamily="34" charset="0"/>
               </a:rPr>
-              <a:t>Management/Deployment</a:t>
-            </a:r>
-          </a:p>
-          <a:p>
-            <a:pPr marL="285750" indent="-285750">
+              <a:t>/Deployment</a:t>
+            </a:r>
+            <a:endParaRPr lang="en-US" altLang="zh-CN" sz="950" kern="0" dirty="0" smtClean="0">
+              <a:solidFill>
+                <a:srgbClr val="4C3A00"/>
+              </a:solidFill>
+              <a:latin typeface="Arial" pitchFamily="34" charset="0"/>
+              <a:ea typeface="微软雅黑" pitchFamily="34" charset="-122"/>
+              <a:cs typeface="Arial" pitchFamily="34" charset="0"/>
+            </a:endParaRPr>
+          </a:p>
+          <a:p>
+            <a:pPr marL="742950" lvl="1" indent="-285750">
               <a:buFont typeface="Arial" panose="020B0604020202020204" pitchFamily="34" charset="0"/>
               <a:buChar char="•"/>
               <a:defRPr/>
             </a:pPr>
             <a:r>
-              <a:rPr lang="en-US" altLang="zh-TW" sz="1000" kern="0" dirty="0">
+              <a:rPr lang="en-US" altLang="zh-TW" sz="950" kern="0" dirty="0">
                 <a:solidFill>
                   <a:srgbClr val="4C3A00"/>
                 </a:solidFill>
@@ -6321,22 +6564,20 @@
                 <a:ea typeface="微软雅黑" pitchFamily="34" charset="-122"/>
                 <a:cs typeface="Arial" pitchFamily="34" charset="0"/>
               </a:rPr>
-              <a:t>User Manual, Training Material</a:t>
-            </a:r>
-          </a:p>
-          <a:p>
-            <a:pPr marL="285750" indent="-285750" fontAlgn="auto">
-              <a:spcBef>
-                <a:spcPts val="0"/>
-              </a:spcBef>
-              <a:spcAft>
-                <a:spcPts val="0"/>
-              </a:spcAft>
-              <a:buFont typeface="Arial" panose="020B0604020202020204" pitchFamily="34" charset="0"/>
-              <a:buChar char="•"/>
-              <a:defRPr/>
-            </a:pPr>
-            <a:endParaRPr lang="en-US" altLang="zh-CN" sz="1000" kern="0" dirty="0">
+              <a:t>User Manual, Training </a:t>
+            </a:r>
+            <a:r>
+              <a:rPr lang="en-US" altLang="zh-TW" sz="950" kern="0" dirty="0" smtClean="0">
+                <a:solidFill>
+                  <a:srgbClr val="4C3A00"/>
+                </a:solidFill>
+                <a:latin typeface="Arial" pitchFamily="34" charset="0"/>
+                <a:ea typeface="微软雅黑" pitchFamily="34" charset="-122"/>
+                <a:cs typeface="Arial" pitchFamily="34" charset="0"/>
+              </a:rPr>
+              <a:t>Material</a:t>
+            </a:r>
+            <a:endParaRPr lang="en-US" altLang="zh-TW" sz="950" kern="0" dirty="0">
               <a:solidFill>
                 <a:srgbClr val="4C3A00"/>
               </a:solidFill>
@@ -6706,7 +6947,7 @@
               <a:defRPr/>
             </a:pPr>
             <a:r>
-              <a:rPr kumimoji="0" lang="en-US" altLang="zh-CN" sz="2400" b="1" i="0" u="none" strike="noStrike" kern="0" cap="none" spc="0" normalizeH="0" baseline="0" noProof="0" dirty="0">
+              <a:rPr kumimoji="0" lang="en-US" altLang="zh-CN" sz="2400" b="1" i="0" u="none" strike="noStrike" kern="0" cap="none" spc="0" normalizeH="0" baseline="0" noProof="0" dirty="0" smtClean="0">
                 <a:ln w="18415" cmpd="sng">
                   <a:noFill/>
                   <a:prstDash val="solid"/>
@@ -6720,7 +6961,24 @@
                 <a:latin typeface="Agency FB" pitchFamily="34" charset="0"/>
                 <a:ea typeface="微软雅黑" pitchFamily="34" charset="-122"/>
               </a:rPr>
-              <a:t>SPRING IV</a:t>
+              <a:t>SPRINT </a:t>
+            </a:r>
+            <a:r>
+              <a:rPr kumimoji="0" lang="en-US" altLang="zh-CN" sz="2400" b="1" i="0" u="none" strike="noStrike" kern="0" cap="none" spc="0" normalizeH="0" baseline="0" noProof="0" dirty="0">
+                <a:ln w="18415" cmpd="sng">
+                  <a:noFill/>
+                  <a:prstDash val="solid"/>
+                </a:ln>
+                <a:solidFill>
+                  <a:sysClr val="window" lastClr="FFFFFF"/>
+                </a:solidFill>
+                <a:effectLst/>
+                <a:uLnTx/>
+                <a:uFillTx/>
+                <a:latin typeface="Agency FB" pitchFamily="34" charset="0"/>
+                <a:ea typeface="微软雅黑" pitchFamily="34" charset="-122"/>
+              </a:rPr>
+              <a:t>IV</a:t>
             </a:r>
             <a:endParaRPr kumimoji="0" lang="zh-CN" altLang="en-US" sz="2400" b="1" i="0" u="none" strike="noStrike" kern="0" cap="none" spc="0" normalizeH="0" baseline="0" noProof="0" dirty="0">
               <a:ln w="18415" cmpd="sng">
@@ -6753,8 +7011,8 @@
         </p:nvSpPr>
         <p:spPr>
           <a:xfrm>
-            <a:off x="6443694" y="745543"/>
-            <a:ext cx="2618921" cy="769441"/>
+            <a:off x="6381622" y="745543"/>
+            <a:ext cx="2785769" cy="954107"/>
           </a:xfrm>
           <a:prstGeom prst="rect">
             <a:avLst/>
@@ -6785,7 +7043,25 @@
               <a:defRPr/>
             </a:pPr>
             <a:r>
-              <a:rPr lang="en-US" altLang="zh-CN" sz="1100" kern="0" dirty="0" err="1" smtClean="0">
+              <a:rPr lang="en-US" altLang="zh-CN" sz="800" kern="0" dirty="0" smtClean="0">
+                <a:solidFill>
+                  <a:srgbClr val="4C3A00"/>
+                </a:solidFill>
+                <a:latin typeface="Arial" pitchFamily="34" charset="0"/>
+                <a:ea typeface="微软雅黑" pitchFamily="34" charset="-122"/>
+                <a:cs typeface="Arial" pitchFamily="34" charset="0"/>
+              </a:rPr>
+              <a:t>Deployment</a:t>
+            </a:r>
+          </a:p>
+          <a:p>
+            <a:pPr marL="742950" lvl="1" indent="-285750">
+              <a:buFont typeface="Arial" panose="020B0604020202020204" pitchFamily="34" charset="0"/>
+              <a:buChar char="•"/>
+              <a:defRPr/>
+            </a:pPr>
+            <a:r>
+              <a:rPr lang="en-US" altLang="zh-CN" sz="800" kern="0" dirty="0" err="1" smtClean="0">
                 <a:solidFill>
                   <a:srgbClr val="4C3A00"/>
                 </a:solidFill>
@@ -6796,7 +7072,7 @@
               <a:t>Env</a:t>
             </a:r>
             <a:r>
-              <a:rPr lang="en-US" altLang="zh-CN" sz="1100" kern="0" dirty="0" smtClean="0">
+              <a:rPr lang="en-US" altLang="zh-CN" sz="800" kern="0" dirty="0" smtClean="0">
                 <a:solidFill>
                   <a:srgbClr val="4C3A00"/>
                 </a:solidFill>
@@ -6804,29 +7080,28 @@
                 <a:ea typeface="微软雅黑" pitchFamily="34" charset="-122"/>
                 <a:cs typeface="Arial" pitchFamily="34" charset="0"/>
               </a:rPr>
-              <a:t> Testing: NAS Deployment</a:t>
-            </a:r>
-          </a:p>
-          <a:p>
-            <a:pPr marL="285750" marR="0" lvl="0" indent="-285750" defTabSz="914400" eaLnBrk="1" fontAlgn="auto" latinLnBrk="0" hangingPunct="1">
-              <a:lnSpc>
-                <a:spcPct val="100000"/>
-              </a:lnSpc>
-              <a:spcBef>
-                <a:spcPts val="0"/>
-              </a:spcBef>
-              <a:spcAft>
-                <a:spcPts val="0"/>
-              </a:spcAft>
-              <a:buClrTx/>
-              <a:buSzTx/>
+              <a:t> </a:t>
+            </a:r>
+            <a:r>
+              <a:rPr lang="en-US" altLang="zh-CN" sz="800" kern="0" dirty="0" smtClean="0">
+                <a:solidFill>
+                  <a:srgbClr val="4C3A00"/>
+                </a:solidFill>
+                <a:latin typeface="Arial" pitchFamily="34" charset="0"/>
+                <a:ea typeface="微软雅黑" pitchFamily="34" charset="-122"/>
+                <a:cs typeface="Arial" pitchFamily="34" charset="0"/>
+              </a:rPr>
+              <a:t>Testing: NAS Deployment</a:t>
+            </a:r>
+          </a:p>
+          <a:p>
+            <a:pPr marL="742950" lvl="1" indent="-285750">
               <a:buFont typeface="Arial" panose="020B0604020202020204" pitchFamily="34" charset="0"/>
               <a:buChar char="•"/>
-              <a:tabLst/>
               <a:defRPr/>
             </a:pPr>
             <a:r>
-              <a:rPr lang="en-US" altLang="zh-CN" sz="1100" kern="0" dirty="0" err="1" smtClean="0">
+              <a:rPr lang="en-US" altLang="zh-CN" sz="800" kern="0" dirty="0" err="1" smtClean="0">
                 <a:solidFill>
                   <a:srgbClr val="4C3A00"/>
                 </a:solidFill>
@@ -6837,7 +7112,7 @@
               <a:t>Env</a:t>
             </a:r>
             <a:r>
-              <a:rPr lang="en-US" altLang="zh-CN" sz="1100" kern="0" dirty="0" smtClean="0">
+              <a:rPr lang="en-US" altLang="zh-CN" sz="800" kern="0" dirty="0" smtClean="0">
                 <a:solidFill>
                   <a:srgbClr val="4C3A00"/>
                 </a:solidFill>
@@ -6845,29 +7120,10 @@
                 <a:ea typeface="微软雅黑" pitchFamily="34" charset="-122"/>
                 <a:cs typeface="Arial" pitchFamily="34" charset="0"/>
               </a:rPr>
-              <a:t> Change: Change IP</a:t>
-            </a:r>
-          </a:p>
-          <a:p>
-            <a:pPr marL="285750" marR="0" lvl="0" indent="-285750" defTabSz="914400" eaLnBrk="1" fontAlgn="auto" latinLnBrk="0" hangingPunct="1">
-              <a:lnSpc>
-                <a:spcPct val="100000"/>
-              </a:lnSpc>
-              <a:spcBef>
-                <a:spcPts val="0"/>
-              </a:spcBef>
-              <a:spcAft>
-                <a:spcPts val="0"/>
-              </a:spcAft>
-              <a:buClrTx/>
-              <a:buSzTx/>
-              <a:buFont typeface="Arial" panose="020B0604020202020204" pitchFamily="34" charset="0"/>
-              <a:buChar char="•"/>
-              <a:tabLst/>
-              <a:defRPr/>
-            </a:pPr>
-            <a:r>
-              <a:rPr lang="en-US" altLang="zh-CN" sz="1100" kern="0" dirty="0" smtClean="0">
+              <a:t> Change: Change </a:t>
+            </a:r>
+            <a:r>
+              <a:rPr lang="en-US" altLang="zh-CN" sz="800" kern="0" dirty="0" smtClean="0">
                 <a:solidFill>
                   <a:srgbClr val="4C3A00"/>
                 </a:solidFill>
@@ -6875,8 +7131,34 @@
                 <a:ea typeface="微软雅黑" pitchFamily="34" charset="-122"/>
                 <a:cs typeface="Arial" pitchFamily="34" charset="0"/>
               </a:rPr>
-              <a:t>Chart Discovery/Marketplace</a:t>
-            </a:r>
+              <a:t>IP (Research)</a:t>
+            </a:r>
+          </a:p>
+          <a:p>
+            <a:pPr marL="742950" lvl="1" indent="-285750">
+              <a:buFont typeface="Arial" panose="020B0604020202020204" pitchFamily="34" charset="0"/>
+              <a:buChar char="•"/>
+              <a:defRPr/>
+            </a:pPr>
+            <a:r>
+              <a:rPr lang="en-US" altLang="zh-CN" sz="800" kern="0" dirty="0" smtClean="0">
+                <a:solidFill>
+                  <a:srgbClr val="4C3A00"/>
+                </a:solidFill>
+                <a:latin typeface="Arial" pitchFamily="34" charset="0"/>
+                <a:ea typeface="微软雅黑" pitchFamily="34" charset="-122"/>
+                <a:cs typeface="Arial" pitchFamily="34" charset="0"/>
+              </a:rPr>
+              <a:t>HA (Three Nodes)</a:t>
+            </a:r>
+            <a:endParaRPr lang="en-US" altLang="zh-CN" sz="800" kern="0" dirty="0" smtClean="0">
+              <a:solidFill>
+                <a:srgbClr val="4C3A00"/>
+              </a:solidFill>
+              <a:latin typeface="Arial" pitchFamily="34" charset="0"/>
+              <a:ea typeface="微软雅黑" pitchFamily="34" charset="-122"/>
+              <a:cs typeface="Arial" pitchFamily="34" charset="0"/>
+            </a:endParaRPr>
           </a:p>
           <a:p>
             <a:pPr marL="285750" indent="-285750">
@@ -6885,7 +7167,70 @@
               <a:defRPr/>
             </a:pPr>
             <a:r>
-              <a:rPr lang="en-US" altLang="zh-TW" sz="1100" kern="0" dirty="0">
+              <a:rPr lang="en-US" altLang="zh-CN" sz="800" kern="0" dirty="0">
+                <a:solidFill>
+                  <a:srgbClr val="4C3A00"/>
+                </a:solidFill>
+                <a:latin typeface="Arial" pitchFamily="34" charset="0"/>
+                <a:ea typeface="微软雅黑" pitchFamily="34" charset="-122"/>
+                <a:cs typeface="Arial" pitchFamily="34" charset="0"/>
+              </a:rPr>
+              <a:t>Software Component, </a:t>
+            </a:r>
+            <a:r>
+              <a:rPr lang="en-US" altLang="zh-CN" sz="800" kern="0" dirty="0" smtClean="0">
+                <a:solidFill>
+                  <a:srgbClr val="4C3A00"/>
+                </a:solidFill>
+                <a:latin typeface="Arial" pitchFamily="34" charset="0"/>
+                <a:ea typeface="微软雅黑" pitchFamily="34" charset="-122"/>
+                <a:cs typeface="Arial" pitchFamily="34" charset="0"/>
+              </a:rPr>
+              <a:t>v-1.3.x</a:t>
+            </a:r>
+            <a:endParaRPr lang="en-US" altLang="zh-CN" sz="800" kern="0" dirty="0" smtClean="0">
+              <a:solidFill>
+                <a:srgbClr val="4C3A00"/>
+              </a:solidFill>
+              <a:latin typeface="Arial" pitchFamily="34" charset="0"/>
+              <a:ea typeface="微软雅黑" pitchFamily="34" charset="-122"/>
+              <a:cs typeface="Arial" pitchFamily="34" charset="0"/>
+            </a:endParaRPr>
+          </a:p>
+          <a:p>
+            <a:pPr marL="742950" lvl="1" indent="-285750">
+              <a:buFont typeface="Arial" panose="020B0604020202020204" pitchFamily="34" charset="0"/>
+              <a:buChar char="•"/>
+              <a:defRPr/>
+            </a:pPr>
+            <a:r>
+              <a:rPr lang="en-US" altLang="zh-CN" sz="800" kern="0" dirty="0" smtClean="0">
+                <a:solidFill>
+                  <a:srgbClr val="4C3A00"/>
+                </a:solidFill>
+                <a:latin typeface="Arial" pitchFamily="34" charset="0"/>
+                <a:ea typeface="微软雅黑" pitchFamily="34" charset="-122"/>
+                <a:cs typeface="Arial" pitchFamily="34" charset="0"/>
+              </a:rPr>
+              <a:t>LDAP</a:t>
+            </a:r>
+            <a:endParaRPr lang="en-US" altLang="zh-CN" sz="800" kern="0" dirty="0" smtClean="0">
+              <a:solidFill>
+                <a:srgbClr val="4C3A00"/>
+              </a:solidFill>
+              <a:latin typeface="Arial" pitchFamily="34" charset="0"/>
+              <a:ea typeface="微软雅黑" pitchFamily="34" charset="-122"/>
+              <a:cs typeface="Arial" pitchFamily="34" charset="0"/>
+            </a:endParaRPr>
+          </a:p>
+          <a:p>
+            <a:pPr marL="742950" lvl="1" indent="-285750">
+              <a:buFont typeface="Arial" panose="020B0604020202020204" pitchFamily="34" charset="0"/>
+              <a:buChar char="•"/>
+              <a:defRPr/>
+            </a:pPr>
+            <a:r>
+              <a:rPr lang="en-US" altLang="zh-TW" sz="800" kern="0" dirty="0">
                 <a:solidFill>
                   <a:srgbClr val="4C3A00"/>
                 </a:solidFill>
@@ -6896,7 +7241,7 @@
               <a:t>User Manual, Training </a:t>
             </a:r>
             <a:r>
-              <a:rPr lang="en-US" altLang="zh-TW" sz="1100" kern="0" dirty="0" smtClean="0">
+              <a:rPr lang="en-US" altLang="zh-TW" sz="800" kern="0" dirty="0" smtClean="0">
                 <a:solidFill>
                   <a:srgbClr val="4C3A00"/>
                 </a:solidFill>
@@ -6906,7 +7251,7 @@
               </a:rPr>
               <a:t>Material</a:t>
             </a:r>
-            <a:endParaRPr lang="en-US" altLang="zh-TW" sz="1100" kern="0" dirty="0">
+            <a:endParaRPr lang="en-US" altLang="zh-TW" sz="800" kern="0" dirty="0">
               <a:solidFill>
                 <a:srgbClr val="4C3A00"/>
               </a:solidFill>
@@ -7174,6 +7519,13 @@
   <p:clrMapOvr>
     <a:masterClrMapping/>
   </p:clrMapOvr>
+  <p:timing>
+    <p:tnLst>
+      <p:par>
+        <p:cTn id="1" dur="indefinite" restart="never" nodeType="tmRoot"/>
+      </p:par>
+    </p:tnLst>
+  </p:timing>
 </p:sld>
 </file>
 
@@ -7367,6 +7719,13 @@
   <p:clrMapOvr>
     <a:masterClrMapping/>
   </p:clrMapOvr>
+  <p:timing>
+    <p:tnLst>
+      <p:par>
+        <p:cTn id="1" dur="indefinite" restart="never" nodeType="tmRoot"/>
+      </p:par>
+    </p:tnLst>
+  </p:timing>
 </p:sld>
 </file>
 

--- a/plan/roadmap/Data Service Server Roadmap.pptx
+++ b/plan/roadmap/Data Service Server Roadmap.pptx
@@ -3777,8 +3777,8 @@
         </p:nvSpPr>
         <p:spPr>
           <a:xfrm>
-            <a:off x="907953" y="4667094"/>
-            <a:ext cx="2978838" cy="1376840"/>
+            <a:off x="907953" y="4667093"/>
+            <a:ext cx="2978838" cy="1454259"/>
           </a:xfrm>
           <a:custGeom>
             <a:avLst/>
@@ -4188,7 +4188,7 @@
         <p:spPr>
           <a:xfrm>
             <a:off x="1163094" y="5166039"/>
-            <a:ext cx="2618921" cy="823302"/>
+            <a:ext cx="2618921" cy="1154162"/>
           </a:xfrm>
           <a:prstGeom prst="rect">
             <a:avLst/>
@@ -4219,7 +4219,7 @@
               <a:defRPr/>
             </a:pPr>
             <a:r>
-              <a:rPr kumimoji="0" lang="en-US" altLang="zh-CN" sz="950" b="0" i="0" u="none" strike="noStrike" kern="0" cap="none" spc="0" normalizeH="0" baseline="0" noProof="0" dirty="0">
+              <a:rPr kumimoji="0" lang="en-US" altLang="zh-CN" sz="900" b="0" i="0" u="none" strike="noStrike" kern="0" cap="none" spc="0" normalizeH="0" baseline="0" noProof="0" dirty="0">
                 <a:ln>
                   <a:noFill/>
                 </a:ln>
@@ -4236,7 +4236,7 @@
               <a:t>Single </a:t>
             </a:r>
             <a:r>
-              <a:rPr kumimoji="0" lang="en-US" altLang="zh-CN" sz="950" b="0" i="0" u="none" strike="noStrike" kern="0" cap="none" spc="0" normalizeH="0" baseline="0" noProof="0" dirty="0" smtClean="0">
+              <a:rPr kumimoji="0" lang="en-US" altLang="zh-CN" sz="900" b="0" i="0" u="none" strike="noStrike" kern="0" cap="none" spc="0" normalizeH="0" baseline="0" noProof="0" dirty="0" smtClean="0">
                 <a:ln>
                   <a:noFill/>
                 </a:ln>
@@ -4253,7 +4253,7 @@
               <a:t>Node (Master), </a:t>
             </a:r>
             <a:r>
-              <a:rPr kumimoji="0" lang="en-US" altLang="zh-CN" sz="950" b="0" i="0" u="none" strike="noStrike" kern="0" cap="none" spc="0" normalizeH="0" baseline="0" noProof="0" dirty="0">
+              <a:rPr kumimoji="0" lang="en-US" altLang="zh-CN" sz="900" b="0" i="0" u="none" strike="noStrike" kern="0" cap="none" spc="0" normalizeH="0" baseline="0" noProof="0" dirty="0">
                 <a:ln>
                   <a:noFill/>
                 </a:ln>
@@ -4270,7 +4270,7 @@
               <a:t>HDD </a:t>
             </a:r>
             <a:r>
-              <a:rPr kumimoji="0" lang="en-US" altLang="zh-CN" sz="950" b="0" i="0" u="none" strike="noStrike" kern="0" cap="none" spc="0" normalizeH="0" baseline="0" noProof="0" dirty="0" smtClean="0">
+              <a:rPr kumimoji="0" lang="en-US" altLang="zh-CN" sz="900" b="0" i="0" u="none" strike="noStrike" kern="0" cap="none" spc="0" normalizeH="0" baseline="0" noProof="0" dirty="0" smtClean="0">
                 <a:ln>
                   <a:noFill/>
                 </a:ln>
@@ -4294,7 +4294,7 @@
               <a:defRPr/>
             </a:pPr>
             <a:r>
-              <a:rPr lang="en-US" altLang="zh-CN" sz="950" kern="0" dirty="0">
+              <a:rPr lang="en-US" altLang="zh-CN" sz="900" kern="0" dirty="0">
                 <a:solidFill>
                   <a:srgbClr val="4C3A00"/>
                 </a:solidFill>
@@ -4305,7 +4305,7 @@
               <a:t>Software Component, </a:t>
             </a:r>
             <a:r>
-              <a:rPr lang="en-US" altLang="zh-CN" sz="950" kern="0" dirty="0" smtClean="0">
+              <a:rPr lang="en-US" altLang="zh-CN" sz="900" kern="0" dirty="0" smtClean="0">
                 <a:solidFill>
                   <a:srgbClr val="4C3A00"/>
                 </a:solidFill>
@@ -4315,7 +4315,7 @@
               </a:rPr>
               <a:t>v-1.0.x</a:t>
             </a:r>
-            <a:endParaRPr kumimoji="0" lang="en-US" altLang="zh-CN" sz="950" b="0" i="0" u="none" strike="noStrike" kern="0" cap="none" spc="0" normalizeH="0" baseline="0" noProof="0" dirty="0">
+            <a:endParaRPr kumimoji="0" lang="en-US" altLang="zh-CN" sz="900" b="0" i="0" u="none" strike="noStrike" kern="0" cap="none" spc="0" normalizeH="0" baseline="0" noProof="0" dirty="0">
               <a:ln>
                 <a:noFill/>
               </a:ln>
@@ -4337,7 +4337,7 @@
               <a:defRPr/>
             </a:pPr>
             <a:r>
-              <a:rPr lang="en-US" altLang="zh-CN" sz="950" kern="0" dirty="0">
+              <a:rPr lang="en-US" altLang="zh-CN" sz="900" kern="0" dirty="0" err="1">
                 <a:solidFill>
                   <a:srgbClr val="4C3A00"/>
                 </a:solidFill>
@@ -4345,7 +4345,51 @@
                 <a:ea typeface="微软雅黑" pitchFamily="34" charset="-122"/>
                 <a:cs typeface="Arial" pitchFamily="34" charset="0"/>
               </a:rPr>
-              <a:t>DeviceOn/EdgeSense Built-in </a:t>
+              <a:t>DeviceOn</a:t>
+            </a:r>
+            <a:r>
+              <a:rPr lang="en-US" altLang="zh-CN" sz="900" kern="0" dirty="0">
+                <a:solidFill>
+                  <a:srgbClr val="4C3A00"/>
+                </a:solidFill>
+                <a:latin typeface="Arial" pitchFamily="34" charset="0"/>
+                <a:ea typeface="微软雅黑" pitchFamily="34" charset="-122"/>
+                <a:cs typeface="Arial" pitchFamily="34" charset="0"/>
+              </a:rPr>
+              <a:t>/</a:t>
+            </a:r>
+            <a:r>
+              <a:rPr lang="en-US" altLang="zh-CN" sz="900" kern="0" dirty="0" err="1">
+                <a:solidFill>
+                  <a:srgbClr val="4C3A00"/>
+                </a:solidFill>
+                <a:latin typeface="Arial" pitchFamily="34" charset="0"/>
+                <a:ea typeface="微软雅黑" pitchFamily="34" charset="-122"/>
+                <a:cs typeface="Arial" pitchFamily="34" charset="0"/>
+              </a:rPr>
+              <a:t>EdgeSense</a:t>
+            </a:r>
+            <a:r>
+              <a:rPr lang="en-US" altLang="zh-CN" sz="900" kern="0" dirty="0">
+                <a:solidFill>
+                  <a:srgbClr val="4C3A00"/>
+                </a:solidFill>
+                <a:latin typeface="Arial" pitchFamily="34" charset="0"/>
+                <a:ea typeface="微软雅黑" pitchFamily="34" charset="-122"/>
+                <a:cs typeface="Arial" pitchFamily="34" charset="0"/>
+              </a:rPr>
+              <a:t> </a:t>
+            </a:r>
+            <a:r>
+              <a:rPr lang="en-US" altLang="zh-CN" sz="900" kern="0" dirty="0" smtClean="0">
+                <a:solidFill>
+                  <a:srgbClr val="4C3A00"/>
+                </a:solidFill>
+                <a:latin typeface="Arial" pitchFamily="34" charset="0"/>
+                <a:ea typeface="微软雅黑" pitchFamily="34" charset="-122"/>
+                <a:cs typeface="Arial" pitchFamily="34" charset="0"/>
+              </a:rPr>
+              <a:t>Built-in</a:t>
             </a:r>
           </a:p>
           <a:p>
@@ -4355,7 +4399,73 @@
               <a:defRPr/>
             </a:pPr>
             <a:r>
-              <a:rPr lang="en-US" altLang="zh-CN" sz="950" kern="0" dirty="0" smtClean="0">
+              <a:rPr lang="en-US" altLang="zh-CN" sz="900" kern="0" dirty="0" smtClean="0">
+                <a:solidFill>
+                  <a:srgbClr val="4C3A00"/>
+                </a:solidFill>
+                <a:latin typeface="Arial" pitchFamily="34" charset="0"/>
+                <a:ea typeface="微软雅黑" pitchFamily="34" charset="-122"/>
+                <a:cs typeface="Arial" pitchFamily="34" charset="0"/>
+              </a:rPr>
+              <a:t>Private Chart Repo</a:t>
+            </a:r>
+            <a:endParaRPr lang="en-US" altLang="zh-CN" sz="900" kern="0" dirty="0" smtClean="0">
+              <a:solidFill>
+                <a:srgbClr val="4C3A00"/>
+              </a:solidFill>
+              <a:latin typeface="Arial" pitchFamily="34" charset="0"/>
+              <a:ea typeface="微软雅黑" pitchFamily="34" charset="-122"/>
+              <a:cs typeface="Arial" pitchFamily="34" charset="0"/>
+            </a:endParaRPr>
+          </a:p>
+          <a:p>
+            <a:pPr marL="285750" lvl="0" indent="-285750">
+              <a:buFont typeface="Arial" panose="020B0604020202020204" pitchFamily="34" charset="0"/>
+              <a:buChar char="•"/>
+              <a:defRPr/>
+            </a:pPr>
+            <a:r>
+              <a:rPr lang="en-US" altLang="zh-CN" sz="900" kern="0" dirty="0">
+                <a:solidFill>
+                  <a:srgbClr val="4C3A00"/>
+                </a:solidFill>
+                <a:latin typeface="Arial" pitchFamily="34" charset="0"/>
+                <a:ea typeface="微软雅黑" pitchFamily="34" charset="-122"/>
+                <a:cs typeface="Arial" pitchFamily="34" charset="0"/>
+              </a:rPr>
+              <a:t>Software Component, </a:t>
+            </a:r>
+            <a:r>
+              <a:rPr lang="en-US" altLang="zh-CN" sz="900" kern="0" dirty="0" smtClean="0">
+                <a:solidFill>
+                  <a:srgbClr val="4C3A00"/>
+                </a:solidFill>
+                <a:latin typeface="Arial" pitchFamily="34" charset="0"/>
+                <a:ea typeface="微软雅黑" pitchFamily="34" charset="-122"/>
+                <a:cs typeface="Arial" pitchFamily="34" charset="0"/>
+              </a:rPr>
+              <a:t>v-1.1.x</a:t>
+            </a:r>
+            <a:r>
+              <a:rPr lang="en-US" altLang="zh-CN" sz="900" kern="0" dirty="0" smtClean="0">
+                <a:solidFill>
+                  <a:srgbClr val="4C3A00"/>
+                </a:solidFill>
+                <a:latin typeface="Arial" pitchFamily="34" charset="0"/>
+                <a:ea typeface="微软雅黑" pitchFamily="34" charset="-122"/>
+                <a:cs typeface="Arial" pitchFamily="34" charset="0"/>
+              </a:rPr>
+              <a:t> </a:t>
+            </a:r>
+          </a:p>
+          <a:p>
+            <a:pPr marL="742950" lvl="1" indent="-285750">
+              <a:buFont typeface="Arial" panose="020B0604020202020204" pitchFamily="34" charset="0"/>
+              <a:buChar char="•"/>
+              <a:defRPr/>
+            </a:pPr>
+            <a:r>
+              <a:rPr lang="en-US" altLang="zh-CN" sz="800" kern="0" dirty="0">
                 <a:solidFill>
                   <a:srgbClr val="4C3A00"/>
                 </a:solidFill>
@@ -4366,7 +4476,7 @@
               <a:t>Private </a:t>
             </a:r>
             <a:r>
-              <a:rPr lang="en-US" altLang="zh-CN" sz="950" kern="0" dirty="0" smtClean="0">
+              <a:rPr lang="en-US" altLang="zh-CN" sz="800" kern="0" dirty="0" err="1">
                 <a:solidFill>
                   <a:srgbClr val="4C3A00"/>
                 </a:solidFill>
@@ -4374,10 +4484,10 @@
                 <a:ea typeface="微软雅黑" pitchFamily="34" charset="-122"/>
                 <a:cs typeface="Arial" pitchFamily="34" charset="0"/>
               </a:rPr>
-              <a:t>Chart </a:t>
-            </a:r>
-            <a:r>
-              <a:rPr lang="en-US" altLang="zh-CN" sz="950" kern="0" dirty="0" smtClean="0">
+              <a:t>Docker</a:t>
+            </a:r>
+            <a:r>
+              <a:rPr lang="en-US" altLang="zh-CN" sz="800" kern="0" dirty="0">
                 <a:solidFill>
                   <a:srgbClr val="4C3A00"/>
                 </a:solidFill>
@@ -4385,7 +4495,18 @@
                 <a:ea typeface="微软雅黑" pitchFamily="34" charset="-122"/>
                 <a:cs typeface="Arial" pitchFamily="34" charset="0"/>
               </a:rPr>
-              <a:t>Repo</a:t>
+              <a:t> </a:t>
+            </a:r>
+            <a:r>
+              <a:rPr lang="en-US" altLang="zh-CN" sz="800" kern="0" dirty="0" smtClean="0">
+                <a:solidFill>
+                  <a:srgbClr val="4C3A00"/>
+                </a:solidFill>
+                <a:latin typeface="Arial" pitchFamily="34" charset="0"/>
+                <a:ea typeface="微软雅黑" pitchFamily="34" charset="-122"/>
+                <a:cs typeface="Arial" pitchFamily="34" charset="0"/>
+              </a:rPr>
+              <a:t>Registry</a:t>
             </a:r>
           </a:p>
           <a:p>
@@ -4395,7 +4516,7 @@
               <a:defRPr/>
             </a:pPr>
             <a:r>
-              <a:rPr lang="en-US" altLang="zh-TW" sz="950" kern="0" dirty="0">
+              <a:rPr lang="en-US" altLang="zh-CN" sz="800" kern="0" dirty="0" err="1">
                 <a:solidFill>
                   <a:srgbClr val="4C3A00"/>
                 </a:solidFill>
@@ -4403,10 +4524,10 @@
                 <a:ea typeface="微软雅黑" pitchFamily="34" charset="-122"/>
                 <a:cs typeface="Arial" pitchFamily="34" charset="0"/>
               </a:rPr>
-              <a:t>User Manual, Training </a:t>
-            </a:r>
-            <a:r>
-              <a:rPr lang="en-US" altLang="zh-TW" sz="950" kern="0" dirty="0" smtClean="0">
+              <a:t>Ceph</a:t>
+            </a:r>
+            <a:r>
+              <a:rPr lang="en-US" altLang="zh-CN" sz="800" kern="0" dirty="0">
                 <a:solidFill>
                   <a:srgbClr val="4C3A00"/>
                 </a:solidFill>
@@ -4414,9 +4535,35 @@
                 <a:ea typeface="微软雅黑" pitchFamily="34" charset="-122"/>
                 <a:cs typeface="Arial" pitchFamily="34" charset="0"/>
               </a:rPr>
-              <a:t>Material</a:t>
-            </a:r>
-            <a:endParaRPr lang="en-US" altLang="zh-TW" sz="950" kern="0" dirty="0">
+              <a:t> </a:t>
+            </a:r>
+            <a:r>
+              <a:rPr lang="en-US" altLang="zh-CN" sz="800" kern="0" dirty="0" smtClean="0">
+                <a:solidFill>
+                  <a:srgbClr val="4C3A00"/>
+                </a:solidFill>
+                <a:latin typeface="Arial" pitchFamily="34" charset="0"/>
+                <a:ea typeface="微软雅黑" pitchFamily="34" charset="-122"/>
+                <a:cs typeface="Arial" pitchFamily="34" charset="0"/>
+              </a:rPr>
+              <a:t>Monitoring</a:t>
+            </a:r>
+            <a:endParaRPr lang="en-US" altLang="zh-CN" sz="800" kern="0" dirty="0">
+              <a:solidFill>
+                <a:srgbClr val="4C3A00"/>
+              </a:solidFill>
+              <a:latin typeface="Arial" pitchFamily="34" charset="0"/>
+              <a:ea typeface="微软雅黑" pitchFamily="34" charset="-122"/>
+              <a:cs typeface="Arial" pitchFamily="34" charset="0"/>
+            </a:endParaRPr>
+          </a:p>
+          <a:p>
+            <a:pPr marL="742950" lvl="1" indent="-285750">
+              <a:buFont typeface="Arial" panose="020B0604020202020204" pitchFamily="34" charset="0"/>
+              <a:buChar char="•"/>
+              <a:defRPr/>
+            </a:pPr>
+            <a:endParaRPr lang="en-US" altLang="zh-CN" sz="800" kern="0" dirty="0">
               <a:solidFill>
                 <a:srgbClr val="4C3A00"/>
               </a:solidFill>
@@ -5613,7 +5760,7 @@
         <p:spPr>
           <a:xfrm>
             <a:off x="2916053" y="3701363"/>
-            <a:ext cx="2618921" cy="954107"/>
+            <a:ext cx="2618921" cy="923330"/>
           </a:xfrm>
           <a:prstGeom prst="rect">
             <a:avLst/>
@@ -5632,7 +5779,7 @@
               <a:defRPr/>
             </a:pPr>
             <a:r>
-              <a:rPr lang="en-US" altLang="zh-CN" sz="700" kern="0" dirty="0" smtClean="0">
+              <a:rPr lang="en-US" altLang="zh-CN" sz="900" kern="0" dirty="0" smtClean="0">
                 <a:solidFill>
                   <a:srgbClr val="4C3A00"/>
                 </a:solidFill>
@@ -5650,7 +5797,7 @@
               <a:defRPr/>
             </a:pPr>
             <a:r>
-              <a:rPr lang="en-US" altLang="zh-CN" sz="700" kern="0" dirty="0">
+              <a:rPr lang="en-US" altLang="zh-CN" sz="900" kern="0" dirty="0">
                 <a:solidFill>
                   <a:srgbClr val="4C3A00"/>
                 </a:solidFill>
@@ -5661,7 +5808,7 @@
               <a:t>Two Nodes, HDD </a:t>
             </a:r>
             <a:r>
-              <a:rPr lang="en-US" altLang="zh-CN" sz="700" kern="0" dirty="0" smtClean="0">
+              <a:rPr lang="en-US" altLang="zh-CN" sz="900" kern="0" dirty="0" smtClean="0">
                 <a:solidFill>
                   <a:srgbClr val="4C3A00"/>
                 </a:solidFill>
@@ -5671,7 +5818,7 @@
               </a:rPr>
               <a:t>1T/5T</a:t>
             </a:r>
-            <a:endParaRPr lang="en-US" altLang="zh-CN" sz="700" kern="0" dirty="0" smtClean="0">
+            <a:endParaRPr lang="en-US" altLang="zh-CN" sz="900" kern="0" dirty="0" smtClean="0">
               <a:solidFill>
                 <a:srgbClr val="4C3A00"/>
               </a:solidFill>
@@ -5687,7 +5834,7 @@
               <a:defRPr/>
             </a:pPr>
             <a:r>
-              <a:rPr lang="en-US" altLang="zh-CN" sz="700" kern="0" dirty="0" smtClean="0">
+              <a:rPr lang="en-US" altLang="zh-CN" sz="900" kern="0" dirty="0" smtClean="0">
                 <a:solidFill>
                   <a:srgbClr val="4C3A00"/>
                 </a:solidFill>
@@ -5697,7 +5844,7 @@
               </a:rPr>
               <a:t>Dynamic Configuration</a:t>
             </a:r>
-            <a:endParaRPr lang="en-US" altLang="zh-CN" sz="700" kern="0" dirty="0" smtClean="0">
+            <a:endParaRPr lang="en-US" altLang="zh-CN" sz="900" kern="0" dirty="0" smtClean="0">
               <a:solidFill>
                 <a:srgbClr val="4C3A00"/>
               </a:solidFill>
@@ -5713,7 +5860,7 @@
               <a:defRPr/>
             </a:pPr>
             <a:r>
-              <a:rPr lang="en-US" altLang="zh-CN" sz="700" kern="0" dirty="0" smtClean="0">
+              <a:rPr lang="en-US" altLang="zh-CN" sz="900" kern="0" dirty="0" smtClean="0">
                 <a:solidFill>
                   <a:srgbClr val="4C3A00"/>
                 </a:solidFill>
@@ -5721,29 +5868,7 @@
                 <a:ea typeface="微软雅黑" pitchFamily="34" charset="-122"/>
                 <a:cs typeface="Arial" pitchFamily="34" charset="0"/>
               </a:rPr>
-              <a:t>Software </a:t>
-            </a:r>
-            <a:r>
-              <a:rPr lang="en-US" altLang="zh-CN" sz="700" kern="0" dirty="0">
-                <a:solidFill>
-                  <a:srgbClr val="4C3A00"/>
-                </a:solidFill>
-                <a:latin typeface="Arial" pitchFamily="34" charset="0"/>
-                <a:ea typeface="微软雅黑" pitchFamily="34" charset="-122"/>
-                <a:cs typeface="Arial" pitchFamily="34" charset="0"/>
-              </a:rPr>
-              <a:t>Component, </a:t>
-            </a:r>
-            <a:r>
-              <a:rPr lang="en-US" altLang="zh-CN" sz="700" kern="0" dirty="0" smtClean="0">
-                <a:solidFill>
-                  <a:srgbClr val="4C3A00"/>
-                </a:solidFill>
-                <a:latin typeface="Arial" pitchFamily="34" charset="0"/>
-                <a:ea typeface="微软雅黑" pitchFamily="34" charset="-122"/>
-                <a:cs typeface="Arial" pitchFamily="34" charset="0"/>
-              </a:rPr>
-              <a:t>v-1.1.x</a:t>
+              <a:t>Software Component, v-1.2.x</a:t>
             </a:r>
           </a:p>
           <a:p>
@@ -5753,7 +5878,7 @@
               <a:defRPr/>
             </a:pPr>
             <a:r>
-              <a:rPr lang="en-US" altLang="zh-CN" sz="700" kern="0" dirty="0">
+              <a:rPr lang="en-US" altLang="zh-CN" sz="900" kern="0" dirty="0">
                 <a:solidFill>
                   <a:srgbClr val="4C3A00"/>
                 </a:solidFill>
@@ -5761,10 +5886,10 @@
                 <a:ea typeface="微软雅黑" pitchFamily="34" charset="-122"/>
                 <a:cs typeface="Arial" pitchFamily="34" charset="0"/>
               </a:rPr>
-              <a:t>Logging </a:t>
-            </a:r>
-            <a:r>
-              <a:rPr lang="en-US" altLang="zh-CN" sz="700" kern="0" dirty="0" smtClean="0">
+              <a:t>Chart </a:t>
+            </a:r>
+            <a:r>
+              <a:rPr lang="en-US" altLang="zh-CN" sz="900" kern="0" dirty="0" smtClean="0">
                 <a:solidFill>
                   <a:srgbClr val="4C3A00"/>
                 </a:solidFill>
@@ -5774,7 +5899,7 @@
               </a:rPr>
               <a:t>Management</a:t>
             </a:r>
-            <a:endParaRPr lang="en-US" altLang="zh-CN" sz="700" kern="0" dirty="0" smtClean="0">
+            <a:endParaRPr lang="en-US" altLang="zh-CN" sz="900" kern="0" dirty="0" smtClean="0">
               <a:solidFill>
                 <a:srgbClr val="4C3A00"/>
               </a:solidFill>
@@ -5790,7 +5915,7 @@
               <a:defRPr/>
             </a:pPr>
             <a:r>
-              <a:rPr lang="en-US" altLang="zh-CN" sz="700" kern="0" dirty="0" smtClean="0">
+              <a:rPr lang="en-US" altLang="zh-TW" sz="900" kern="0" dirty="0" smtClean="0">
                 <a:solidFill>
                   <a:srgbClr val="4C3A00"/>
                 </a:solidFill>
@@ -5798,10 +5923,10 @@
                 <a:ea typeface="微软雅黑" pitchFamily="34" charset="-122"/>
                 <a:cs typeface="Arial" pitchFamily="34" charset="0"/>
               </a:rPr>
-              <a:t>Private </a:t>
-            </a:r>
-            <a:r>
-              <a:rPr lang="en-US" altLang="zh-CN" sz="700" kern="0" dirty="0" err="1" smtClean="0">
+              <a:t>User </a:t>
+            </a:r>
+            <a:r>
+              <a:rPr lang="en-US" altLang="zh-TW" sz="900" kern="0" dirty="0">
                 <a:solidFill>
                   <a:srgbClr val="4C3A00"/>
                 </a:solidFill>
@@ -5809,87 +5934,10 @@
                 <a:ea typeface="微软雅黑" pitchFamily="34" charset="-122"/>
                 <a:cs typeface="Arial" pitchFamily="34" charset="0"/>
               </a:rPr>
-              <a:t>Docker</a:t>
-            </a:r>
-            <a:r>
-              <a:rPr lang="en-US" altLang="zh-CN" sz="700" kern="0" dirty="0" smtClean="0">
-                <a:solidFill>
-                  <a:srgbClr val="4C3A00"/>
-                </a:solidFill>
-                <a:latin typeface="Arial" pitchFamily="34" charset="0"/>
-                <a:ea typeface="微软雅黑" pitchFamily="34" charset="-122"/>
-                <a:cs typeface="Arial" pitchFamily="34" charset="0"/>
-              </a:rPr>
-              <a:t> </a:t>
-            </a:r>
-            <a:r>
-              <a:rPr lang="en-US" altLang="zh-CN" sz="700" kern="0" dirty="0" smtClean="0">
-                <a:solidFill>
-                  <a:srgbClr val="4C3A00"/>
-                </a:solidFill>
-                <a:latin typeface="Arial" pitchFamily="34" charset="0"/>
-                <a:ea typeface="微软雅黑" pitchFamily="34" charset="-122"/>
-                <a:cs typeface="Arial" pitchFamily="34" charset="0"/>
-              </a:rPr>
-              <a:t>Registry</a:t>
-            </a:r>
-          </a:p>
-          <a:p>
-            <a:pPr marL="742950" lvl="1" indent="-285750">
-              <a:buFont typeface="Arial" panose="020B0604020202020204" pitchFamily="34" charset="0"/>
-              <a:buChar char="•"/>
-              <a:defRPr/>
-            </a:pPr>
-            <a:r>
-              <a:rPr lang="en-US" altLang="zh-CN" sz="700" kern="0" dirty="0" err="1" smtClean="0">
-                <a:solidFill>
-                  <a:srgbClr val="4C3A00"/>
-                </a:solidFill>
-                <a:latin typeface="Arial" pitchFamily="34" charset="0"/>
-                <a:ea typeface="微软雅黑" pitchFamily="34" charset="-122"/>
-                <a:cs typeface="Arial" pitchFamily="34" charset="0"/>
-              </a:rPr>
-              <a:t>Ceph</a:t>
-            </a:r>
-            <a:r>
-              <a:rPr lang="en-US" altLang="zh-CN" sz="700" kern="0" dirty="0" smtClean="0">
-                <a:solidFill>
-                  <a:srgbClr val="4C3A00"/>
-                </a:solidFill>
-                <a:latin typeface="Arial" pitchFamily="34" charset="0"/>
-                <a:ea typeface="微软雅黑" pitchFamily="34" charset="-122"/>
-                <a:cs typeface="Arial" pitchFamily="34" charset="0"/>
-              </a:rPr>
-              <a:t> Exporter</a:t>
-            </a:r>
-            <a:endParaRPr lang="en-US" altLang="zh-CN" sz="700" kern="0" dirty="0" smtClean="0">
-              <a:solidFill>
-                <a:srgbClr val="4C3A00"/>
-              </a:solidFill>
-              <a:latin typeface="Arial" pitchFamily="34" charset="0"/>
-              <a:ea typeface="微软雅黑" pitchFamily="34" charset="-122"/>
-              <a:cs typeface="Arial" pitchFamily="34" charset="0"/>
-            </a:endParaRPr>
-          </a:p>
-          <a:p>
-            <a:pPr marL="742950" lvl="1" indent="-285750">
-              <a:buFont typeface="Arial" panose="020B0604020202020204" pitchFamily="34" charset="0"/>
-              <a:buChar char="•"/>
-              <a:defRPr/>
-            </a:pPr>
-            <a:r>
-              <a:rPr lang="en-US" altLang="zh-TW" sz="700" kern="0" dirty="0">
-                <a:solidFill>
-                  <a:srgbClr val="4C3A00"/>
-                </a:solidFill>
-                <a:latin typeface="Arial" pitchFamily="34" charset="0"/>
-                <a:ea typeface="微软雅黑" pitchFamily="34" charset="-122"/>
-                <a:cs typeface="Arial" pitchFamily="34" charset="0"/>
-              </a:rPr>
-              <a:t>User Manual, Training </a:t>
-            </a:r>
-            <a:r>
-              <a:rPr lang="en-US" altLang="zh-TW" sz="700" kern="0" dirty="0" smtClean="0">
+              <a:t>Manual, Training </a:t>
+            </a:r>
+            <a:r>
+              <a:rPr lang="en-US" altLang="zh-TW" sz="900" kern="0" dirty="0" smtClean="0">
                 <a:solidFill>
                   <a:srgbClr val="4C3A00"/>
                 </a:solidFill>
@@ -5899,7 +5947,7 @@
               </a:rPr>
               <a:t>Material</a:t>
             </a:r>
-            <a:endParaRPr lang="en-US" altLang="zh-TW" sz="700" kern="0" dirty="0">
+            <a:endParaRPr lang="en-US" altLang="zh-TW" sz="900" kern="0" dirty="0">
               <a:solidFill>
                 <a:srgbClr val="4C3A00"/>
               </a:solidFill>
@@ -6332,7 +6380,7 @@
         <p:spPr>
           <a:xfrm>
             <a:off x="4455889" y="2223453"/>
-            <a:ext cx="2618921" cy="969496"/>
+            <a:ext cx="2618921" cy="823302"/>
           </a:xfrm>
           <a:prstGeom prst="rect">
             <a:avLst/>
@@ -6472,7 +6520,7 @@
                 <a:ea typeface="微软雅黑" pitchFamily="34" charset="-122"/>
                 <a:cs typeface="Arial" pitchFamily="34" charset="0"/>
               </a:rPr>
-              <a:t>v-1.2.x</a:t>
+              <a:t>v-1.3.x</a:t>
             </a:r>
           </a:p>
           <a:p>
@@ -6482,7 +6530,7 @@
               <a:defRPr/>
             </a:pPr>
             <a:r>
-              <a:rPr lang="en-US" altLang="zh-CN" sz="950" kern="0" dirty="0" err="1" smtClean="0">
+              <a:rPr lang="en-US" altLang="zh-CN" sz="950" kern="0" dirty="0" smtClean="0">
                 <a:solidFill>
                   <a:srgbClr val="4C3A00"/>
                 </a:solidFill>
@@ -6490,18 +6538,7 @@
                 <a:ea typeface="微软雅黑" pitchFamily="34" charset="-122"/>
                 <a:cs typeface="Arial" pitchFamily="34" charset="0"/>
               </a:rPr>
-              <a:t>ChartDiscovery</a:t>
-            </a:r>
-            <a:r>
-              <a:rPr lang="en-US" altLang="zh-CN" sz="950" kern="0" dirty="0" smtClean="0">
-                <a:solidFill>
-                  <a:srgbClr val="4C3A00"/>
-                </a:solidFill>
-                <a:latin typeface="Arial" pitchFamily="34" charset="0"/>
-                <a:ea typeface="微软雅黑" pitchFamily="34" charset="-122"/>
-                <a:cs typeface="Arial" pitchFamily="34" charset="0"/>
-              </a:rPr>
-              <a:t>/Marketplace</a:t>
+              <a:t>Chart Marketplace</a:t>
             </a:r>
             <a:endParaRPr lang="en-US" altLang="zh-CN" sz="950" kern="0" dirty="0" smtClean="0">
               <a:solidFill>
@@ -6519,7 +6556,7 @@
               <a:defRPr/>
             </a:pPr>
             <a:r>
-              <a:rPr lang="en-US" altLang="zh-CN" sz="950" kern="0" dirty="0" err="1" smtClean="0">
+              <a:rPr lang="en-US" altLang="zh-CN" sz="1000" kern="0" dirty="0">
                 <a:solidFill>
                   <a:srgbClr val="4C3A00"/>
                 </a:solidFill>
@@ -6527,64 +6564,8 @@
                 <a:ea typeface="微软雅黑" pitchFamily="34" charset="-122"/>
                 <a:cs typeface="Arial" pitchFamily="34" charset="0"/>
               </a:rPr>
-              <a:t>ChartManagement</a:t>
-            </a:r>
-            <a:r>
-              <a:rPr lang="en-US" altLang="zh-CN" sz="950" kern="0" dirty="0" smtClean="0">
-                <a:solidFill>
-                  <a:srgbClr val="4C3A00"/>
-                </a:solidFill>
-                <a:latin typeface="Arial" pitchFamily="34" charset="0"/>
-                <a:ea typeface="微软雅黑" pitchFamily="34" charset="-122"/>
-                <a:cs typeface="Arial" pitchFamily="34" charset="0"/>
-              </a:rPr>
-              <a:t>/Deployment</a:t>
-            </a:r>
-            <a:endParaRPr lang="en-US" altLang="zh-CN" sz="950" kern="0" dirty="0" smtClean="0">
-              <a:solidFill>
-                <a:srgbClr val="4C3A00"/>
-              </a:solidFill>
-              <a:latin typeface="Arial" pitchFamily="34" charset="0"/>
-              <a:ea typeface="微软雅黑" pitchFamily="34" charset="-122"/>
-              <a:cs typeface="Arial" pitchFamily="34" charset="0"/>
-            </a:endParaRPr>
-          </a:p>
-          <a:p>
-            <a:pPr marL="742950" lvl="1" indent="-285750">
-              <a:buFont typeface="Arial" panose="020B0604020202020204" pitchFamily="34" charset="0"/>
-              <a:buChar char="•"/>
-              <a:defRPr/>
-            </a:pPr>
-            <a:r>
-              <a:rPr lang="en-US" altLang="zh-TW" sz="950" kern="0" dirty="0">
-                <a:solidFill>
-                  <a:srgbClr val="4C3A00"/>
-                </a:solidFill>
-                <a:latin typeface="Arial" pitchFamily="34" charset="0"/>
-                <a:ea typeface="微软雅黑" pitchFamily="34" charset="-122"/>
-                <a:cs typeface="Arial" pitchFamily="34" charset="0"/>
-              </a:rPr>
-              <a:t>User Manual, Training </a:t>
-            </a:r>
-            <a:r>
-              <a:rPr lang="en-US" altLang="zh-TW" sz="950" kern="0" dirty="0" smtClean="0">
-                <a:solidFill>
-                  <a:srgbClr val="4C3A00"/>
-                </a:solidFill>
-                <a:latin typeface="Arial" pitchFamily="34" charset="0"/>
-                <a:ea typeface="微软雅黑" pitchFamily="34" charset="-122"/>
-                <a:cs typeface="Arial" pitchFamily="34" charset="0"/>
-              </a:rPr>
-              <a:t>Material</a:t>
-            </a:r>
-            <a:endParaRPr lang="en-US" altLang="zh-TW" sz="950" kern="0" dirty="0">
-              <a:solidFill>
-                <a:srgbClr val="4C3A00"/>
-              </a:solidFill>
-              <a:latin typeface="Arial" pitchFamily="34" charset="0"/>
-              <a:ea typeface="微软雅黑" pitchFamily="34" charset="-122"/>
-              <a:cs typeface="Arial" pitchFamily="34" charset="0"/>
-            </a:endParaRPr>
+              <a:t>Logging Management</a:t>
+            </a:r>
           </a:p>
         </p:txBody>
       </p:sp>
@@ -7186,7 +7167,7 @@
                 <a:ea typeface="微软雅黑" pitchFamily="34" charset="-122"/>
                 <a:cs typeface="Arial" pitchFamily="34" charset="0"/>
               </a:rPr>
-              <a:t>v-1.3.x</a:t>
+              <a:t>v-1.4.x</a:t>
             </a:r>
             <a:endParaRPr lang="en-US" altLang="zh-CN" sz="800" kern="0" dirty="0" smtClean="0">
               <a:solidFill>
@@ -7214,14 +7195,6 @@
               </a:rPr>
               <a:t>LDAP</a:t>
             </a:r>
-            <a:endParaRPr lang="en-US" altLang="zh-CN" sz="800" kern="0" dirty="0" smtClean="0">
-              <a:solidFill>
-                <a:srgbClr val="4C3A00"/>
-              </a:solidFill>
-              <a:latin typeface="Arial" pitchFamily="34" charset="0"/>
-              <a:ea typeface="微软雅黑" pitchFamily="34" charset="-122"/>
-              <a:cs typeface="Arial" pitchFamily="34" charset="0"/>
-            </a:endParaRPr>
           </a:p>
           <a:p>
             <a:pPr marL="742950" lvl="1" indent="-285750">
@@ -7230,7 +7203,7 @@
               <a:defRPr/>
             </a:pPr>
             <a:r>
-              <a:rPr lang="en-US" altLang="zh-TW" sz="800" kern="0" dirty="0">
+              <a:rPr lang="en-US" altLang="zh-CN" sz="800" kern="0" dirty="0">
                 <a:solidFill>
                   <a:srgbClr val="4C3A00"/>
                 </a:solidFill>
@@ -7238,20 +7211,9 @@
                 <a:ea typeface="微软雅黑" pitchFamily="34" charset="-122"/>
                 <a:cs typeface="Arial" pitchFamily="34" charset="0"/>
               </a:rPr>
-              <a:t>User Manual, Training </a:t>
-            </a:r>
-            <a:r>
-              <a:rPr lang="en-US" altLang="zh-TW" sz="800" kern="0" dirty="0" smtClean="0">
-                <a:solidFill>
-                  <a:srgbClr val="4C3A00"/>
-                </a:solidFill>
-                <a:latin typeface="Arial" pitchFamily="34" charset="0"/>
-                <a:ea typeface="微软雅黑" pitchFamily="34" charset="-122"/>
-                <a:cs typeface="Arial" pitchFamily="34" charset="0"/>
-              </a:rPr>
-              <a:t>Material</a:t>
-            </a:r>
-            <a:endParaRPr lang="en-US" altLang="zh-TW" sz="800" kern="0" dirty="0">
+              <a:t>-</a:t>
+            </a:r>
+            <a:endParaRPr lang="en-US" altLang="zh-CN" sz="800" kern="0" dirty="0" smtClean="0">
               <a:solidFill>
                 <a:srgbClr val="4C3A00"/>
               </a:solidFill>

--- a/plan/roadmap/Data Service Server Roadmap.pptx
+++ b/plan/roadmap/Data Service Server Roadmap.pptx
@@ -6380,7 +6380,7 @@
         <p:spPr>
           <a:xfrm>
             <a:off x="4455889" y="2223453"/>
-            <a:ext cx="2618921" cy="823302"/>
+            <a:ext cx="2618921" cy="830997"/>
           </a:xfrm>
           <a:prstGeom prst="rect">
             <a:avLst/>
@@ -6556,7 +6556,7 @@
               <a:defRPr/>
             </a:pPr>
             <a:r>
-              <a:rPr lang="en-US" altLang="zh-CN" sz="1000" kern="0" dirty="0">
+              <a:rPr lang="en-US" altLang="zh-CN" sz="1000" kern="0">
                 <a:solidFill>
                   <a:srgbClr val="4C3A00"/>
                 </a:solidFill>
@@ -6564,8 +6564,27 @@
                 <a:ea typeface="微软雅黑" pitchFamily="34" charset="-122"/>
                 <a:cs typeface="Arial" pitchFamily="34" charset="0"/>
               </a:rPr>
-              <a:t>Logging Management</a:t>
-            </a:r>
+              <a:t>Logging </a:t>
+            </a:r>
+            <a:r>
+              <a:rPr lang="en-US" altLang="zh-CN" sz="1000" kern="0" smtClean="0">
+                <a:solidFill>
+                  <a:srgbClr val="4C3A00"/>
+                </a:solidFill>
+                <a:latin typeface="Arial" pitchFamily="34" charset="0"/>
+                <a:ea typeface="微软雅黑" pitchFamily="34" charset="-122"/>
+                <a:cs typeface="Arial" pitchFamily="34" charset="0"/>
+              </a:rPr>
+              <a:t>Management</a:t>
+            </a:r>
+            <a:endParaRPr lang="en-US" altLang="zh-CN" sz="1000" kern="0" dirty="0" smtClean="0">
+              <a:solidFill>
+                <a:srgbClr val="4C3A00"/>
+              </a:solidFill>
+              <a:latin typeface="Arial" pitchFamily="34" charset="0"/>
+              <a:ea typeface="微软雅黑" pitchFamily="34" charset="-122"/>
+              <a:cs typeface="Arial" pitchFamily="34" charset="0"/>
+            </a:endParaRPr>
           </a:p>
         </p:txBody>
       </p:sp>

--- a/plan/roadmap/Data Service Server Roadmap.pptx
+++ b/plan/roadmap/Data Service Server Roadmap.pptx
@@ -6380,7 +6380,7 @@
         <p:spPr>
           <a:xfrm>
             <a:off x="4455889" y="2223453"/>
-            <a:ext cx="2618921" cy="830997"/>
+            <a:ext cx="2618921" cy="984885"/>
           </a:xfrm>
           <a:prstGeom prst="rect">
             <a:avLst/>
@@ -6556,7 +6556,7 @@
               <a:defRPr/>
             </a:pPr>
             <a:r>
-              <a:rPr lang="en-US" altLang="zh-CN" sz="1000" kern="0">
+              <a:rPr lang="en-US" altLang="zh-CN" sz="1000" kern="0" dirty="0">
                 <a:solidFill>
                   <a:srgbClr val="4C3A00"/>
                 </a:solidFill>
@@ -6567,7 +6567,7 @@
               <a:t>Logging </a:t>
             </a:r>
             <a:r>
-              <a:rPr lang="en-US" altLang="zh-CN" sz="1000" kern="0" smtClean="0">
+              <a:rPr lang="en-US" altLang="zh-CN" sz="1000" kern="0" dirty="0" smtClean="0">
                 <a:solidFill>
                   <a:srgbClr val="4C3A00"/>
                 </a:solidFill>
@@ -6577,6 +6577,13 @@
               </a:rPr>
               <a:t>Management</a:t>
             </a:r>
+          </a:p>
+          <a:p>
+            <a:pPr marL="742950" lvl="1" indent="-285750">
+              <a:buFont typeface="Arial" panose="020B0604020202020204" pitchFamily="34" charset="0"/>
+              <a:buChar char="•"/>
+              <a:defRPr/>
+            </a:pPr>
             <a:endParaRPr lang="en-US" altLang="zh-CN" sz="1000" kern="0" dirty="0" smtClean="0">
               <a:solidFill>
                 <a:srgbClr val="4C3A00"/>
